--- a/img/figures.pptx
+++ b/img/figures.pptx
@@ -6,6 +6,7 @@
   </p:sldMasterIdLst>
   <p:sldIdLst>
     <p:sldId id="256" r:id="rId2"/>
+    <p:sldId id="258" r:id="rId3"/>
   </p:sldIdLst>
   <p:sldSz cx="12192000" cy="6858000"/>
   <p:notesSz cx="6858000" cy="9144000"/>
@@ -4510,10 +4511,1676 @@
 </p:sld>
 </file>
 
+<file path=ppt/slides/slide2.xml><?xml version="1.0" encoding="utf-8"?>
+<p:sld xmlns:a="http://schemas.openxmlformats.org/drawingml/2006/main" xmlns:r="http://schemas.openxmlformats.org/officeDocument/2006/relationships" xmlns:p="http://schemas.openxmlformats.org/presentationml/2006/main">
+  <p:cSld>
+    <p:spTree>
+      <p:nvGrpSpPr>
+        <p:cNvPr id="1" name=""/>
+        <p:cNvGrpSpPr/>
+        <p:nvPr/>
+      </p:nvGrpSpPr>
+      <p:grpSpPr>
+        <a:xfrm>
+          <a:off x="0" y="0"/>
+          <a:ext cx="0" cy="0"/>
+          <a:chOff x="0" y="0"/>
+          <a:chExt cx="0" cy="0"/>
+        </a:xfrm>
+      </p:grpSpPr>
+      <p:grpSp>
+        <p:nvGrpSpPr>
+          <p:cNvPr id="12" name="Group 11">
+            <a:extLst>
+              <a:ext uri="{FF2B5EF4-FFF2-40B4-BE49-F238E27FC236}">
+                <a16:creationId xmlns:a16="http://schemas.microsoft.com/office/drawing/2014/main" id="{4F640665-ECA2-9B40-92F5-D946EE015D97}"/>
+              </a:ext>
+            </a:extLst>
+          </p:cNvPr>
+          <p:cNvGrpSpPr/>
+          <p:nvPr/>
+        </p:nvGrpSpPr>
+        <p:grpSpPr>
+          <a:xfrm>
+            <a:off x="3217083" y="87783"/>
+            <a:ext cx="5760720" cy="6682435"/>
+            <a:chOff x="3217083" y="87783"/>
+            <a:chExt cx="5760720" cy="6682435"/>
+          </a:xfrm>
+        </p:grpSpPr>
+        <p:sp>
+          <p:nvSpPr>
+            <p:cNvPr id="4" name="Hexagon 3">
+              <a:extLst>
+                <a:ext uri="{FF2B5EF4-FFF2-40B4-BE49-F238E27FC236}">
+                  <a16:creationId xmlns:a16="http://schemas.microsoft.com/office/drawing/2014/main" id="{FEA114F5-FA2C-4A4C-8F0D-5A5643B1048A}"/>
+                </a:ext>
+              </a:extLst>
+            </p:cNvPr>
+            <p:cNvSpPr/>
+            <p:nvPr/>
+          </p:nvSpPr>
+          <p:spPr>
+            <a:xfrm rot="5400000">
+              <a:off x="2756225" y="548641"/>
+              <a:ext cx="6682435" cy="5760720"/>
+            </a:xfrm>
+            <a:prstGeom prst="hexagon">
+              <a:avLst>
+                <a:gd name="adj" fmla="val 28925"/>
+                <a:gd name="vf" fmla="val 115470"/>
+              </a:avLst>
+            </a:prstGeom>
+            <a:solidFill>
+              <a:schemeClr val="accent5">
+                <a:lumMod val="50000"/>
+              </a:schemeClr>
+            </a:solidFill>
+            <a:ln w="0">
+              <a:noFill/>
+            </a:ln>
+          </p:spPr>
+          <p:style>
+            <a:lnRef idx="2">
+              <a:schemeClr val="accent1">
+                <a:shade val="50000"/>
+              </a:schemeClr>
+            </a:lnRef>
+            <a:fillRef idx="1">
+              <a:schemeClr val="accent1"/>
+            </a:fillRef>
+            <a:effectRef idx="0">
+              <a:schemeClr val="accent1"/>
+            </a:effectRef>
+            <a:fontRef idx="minor">
+              <a:schemeClr val="lt1"/>
+            </a:fontRef>
+          </p:style>
+          <p:txBody>
+            <a:bodyPr rtlCol="0" anchor="ctr"/>
+            <a:lstStyle/>
+            <a:p>
+              <a:pPr marL="0" marR="0" lvl="0" indent="0" algn="ctr" defTabSz="914400" rtl="0" eaLnBrk="1" fontAlgn="auto" latinLnBrk="0" hangingPunct="1">
+                <a:lnSpc>
+                  <a:spcPct val="100000"/>
+                </a:lnSpc>
+                <a:spcBef>
+                  <a:spcPts val="0"/>
+                </a:spcBef>
+                <a:spcAft>
+                  <a:spcPts val="0"/>
+                </a:spcAft>
+                <a:buClrTx/>
+                <a:buSzTx/>
+                <a:buFontTx/>
+                <a:buNone/>
+                <a:tabLst/>
+                <a:defRPr/>
+              </a:pPr>
+              <a:endParaRPr kumimoji="0" lang="en-US" sz="1800" b="0" i="0" u="none" strike="noStrike" kern="1200" cap="none" spc="0" normalizeH="0" baseline="0" noProof="0">
+                <a:ln>
+                  <a:noFill/>
+                </a:ln>
+                <a:solidFill>
+                  <a:prstClr val="white"/>
+                </a:solidFill>
+                <a:effectLst/>
+                <a:uLnTx/>
+                <a:uFillTx/>
+                <a:latin typeface="Arial" panose="020B0604020202020204"/>
+                <a:ea typeface="+mn-ea"/>
+                <a:cs typeface="+mn-cs"/>
+              </a:endParaRPr>
+            </a:p>
+          </p:txBody>
+        </p:sp>
+        <p:sp>
+          <p:nvSpPr>
+            <p:cNvPr id="62" name="Hexagon 61">
+              <a:extLst>
+                <a:ext uri="{FF2B5EF4-FFF2-40B4-BE49-F238E27FC236}">
+                  <a16:creationId xmlns:a16="http://schemas.microsoft.com/office/drawing/2014/main" id="{ACBDD5CD-7BA9-49F2-95EB-306F1CC8EA38}"/>
+                </a:ext>
+              </a:extLst>
+            </p:cNvPr>
+            <p:cNvSpPr/>
+            <p:nvPr/>
+          </p:nvSpPr>
+          <p:spPr>
+            <a:xfrm rot="5400000">
+              <a:off x="3034861" y="788844"/>
+              <a:ext cx="6125164" cy="5280314"/>
+            </a:xfrm>
+            <a:prstGeom prst="hexagon">
+              <a:avLst>
+                <a:gd name="adj" fmla="val 28925"/>
+                <a:gd name="vf" fmla="val 115470"/>
+              </a:avLst>
+            </a:prstGeom>
+            <a:solidFill>
+              <a:schemeClr val="accent5">
+                <a:lumMod val="60000"/>
+                <a:lumOff val="40000"/>
+              </a:schemeClr>
+            </a:solidFill>
+            <a:ln w="0">
+              <a:noFill/>
+            </a:ln>
+          </p:spPr>
+          <p:style>
+            <a:lnRef idx="2">
+              <a:schemeClr val="accent1">
+                <a:shade val="50000"/>
+              </a:schemeClr>
+            </a:lnRef>
+            <a:fillRef idx="1">
+              <a:schemeClr val="accent1"/>
+            </a:fillRef>
+            <a:effectRef idx="0">
+              <a:schemeClr val="accent1"/>
+            </a:effectRef>
+            <a:fontRef idx="minor">
+              <a:schemeClr val="lt1"/>
+            </a:fontRef>
+          </p:style>
+          <p:txBody>
+            <a:bodyPr rtlCol="0" anchor="ctr"/>
+            <a:lstStyle/>
+            <a:p>
+              <a:pPr marL="0" marR="0" lvl="0" indent="0" algn="ctr" defTabSz="914400" rtl="0" eaLnBrk="1" fontAlgn="auto" latinLnBrk="0" hangingPunct="1">
+                <a:lnSpc>
+                  <a:spcPct val="100000"/>
+                </a:lnSpc>
+                <a:spcBef>
+                  <a:spcPts val="0"/>
+                </a:spcBef>
+                <a:spcAft>
+                  <a:spcPts val="0"/>
+                </a:spcAft>
+                <a:buClrTx/>
+                <a:buSzTx/>
+                <a:buFontTx/>
+                <a:buNone/>
+                <a:tabLst/>
+                <a:defRPr/>
+              </a:pPr>
+              <a:endParaRPr kumimoji="0" lang="en-US" sz="1800" b="0" i="0" u="none" strike="noStrike" kern="1200" cap="none" spc="0" normalizeH="0" baseline="0" noProof="0">
+                <a:ln>
+                  <a:noFill/>
+                </a:ln>
+                <a:solidFill>
+                  <a:prstClr val="white"/>
+                </a:solidFill>
+                <a:effectLst/>
+                <a:uLnTx/>
+                <a:uFillTx/>
+                <a:latin typeface="Arial" panose="020B0604020202020204"/>
+                <a:ea typeface="+mn-ea"/>
+                <a:cs typeface="+mn-cs"/>
+              </a:endParaRPr>
+            </a:p>
+          </p:txBody>
+        </p:sp>
+        <p:sp>
+          <p:nvSpPr>
+            <p:cNvPr id="5" name="Rectangle 4">
+              <a:extLst>
+                <a:ext uri="{FF2B5EF4-FFF2-40B4-BE49-F238E27FC236}">
+                  <a16:creationId xmlns:a16="http://schemas.microsoft.com/office/drawing/2014/main" id="{745FD36D-ECBF-4320-8B25-767517884850}"/>
+                </a:ext>
+              </a:extLst>
+            </p:cNvPr>
+            <p:cNvSpPr/>
+            <p:nvPr/>
+          </p:nvSpPr>
+          <p:spPr>
+            <a:xfrm>
+              <a:off x="3217083" y="3774502"/>
+              <a:ext cx="5760720" cy="1446550"/>
+            </a:xfrm>
+            <a:prstGeom prst="rect">
+              <a:avLst/>
+            </a:prstGeom>
+            <a:noFill/>
+          </p:spPr>
+          <p:txBody>
+            <a:bodyPr wrap="square" lIns="91440" tIns="45720" rIns="91440" bIns="45720">
+              <a:spAutoFit/>
+            </a:bodyPr>
+            <a:lstStyle/>
+            <a:p>
+              <a:pPr marL="0" marR="0" lvl="0" indent="0" algn="ctr" defTabSz="914400" rtl="0" eaLnBrk="1" fontAlgn="auto" latinLnBrk="0" hangingPunct="1">
+                <a:lnSpc>
+                  <a:spcPct val="100000"/>
+                </a:lnSpc>
+                <a:spcBef>
+                  <a:spcPts val="0"/>
+                </a:spcBef>
+                <a:spcAft>
+                  <a:spcPts val="0"/>
+                </a:spcAft>
+                <a:buClrTx/>
+                <a:buSzTx/>
+                <a:buFontTx/>
+                <a:buNone/>
+                <a:tabLst/>
+                <a:defRPr/>
+              </a:pPr>
+              <a:r>
+                <a:rPr kumimoji="0" lang="en-US" sz="8800" b="0" i="0" u="none" strike="noStrike" kern="1200" cap="none" spc="0" normalizeH="0" baseline="0" noProof="0" dirty="0" err="1">
+                  <a:ln>
+                    <a:noFill/>
+                  </a:ln>
+                  <a:solidFill>
+                    <a:schemeClr val="accent5">
+                      <a:lumMod val="50000"/>
+                    </a:schemeClr>
+                  </a:solidFill>
+                  <a:effectLst/>
+                  <a:uLnTx/>
+                  <a:uFillTx/>
+                  <a:latin typeface="Raleway"/>
+                  <a:ea typeface="+mn-ea"/>
+                  <a:cs typeface="+mn-cs"/>
+                </a:rPr>
+                <a:t>cytosieve</a:t>
+              </a:r>
+              <a:endParaRPr kumimoji="0" lang="en-US" sz="8800" b="0" i="0" u="none" strike="noStrike" kern="1200" cap="none" spc="0" normalizeH="0" baseline="0" noProof="0" dirty="0">
+                <a:ln>
+                  <a:noFill/>
+                </a:ln>
+                <a:solidFill>
+                  <a:schemeClr val="accent5">
+                    <a:lumMod val="50000"/>
+                  </a:schemeClr>
+                </a:solidFill>
+                <a:effectLst/>
+                <a:uLnTx/>
+                <a:uFillTx/>
+                <a:latin typeface="Raleway"/>
+                <a:ea typeface="+mn-ea"/>
+                <a:cs typeface="+mn-cs"/>
+              </a:endParaRPr>
+            </a:p>
+          </p:txBody>
+        </p:sp>
+        <p:sp>
+          <p:nvSpPr>
+            <p:cNvPr id="3" name="Rounded Rectangle 2">
+              <a:extLst>
+                <a:ext uri="{FF2B5EF4-FFF2-40B4-BE49-F238E27FC236}">
+                  <a16:creationId xmlns:a16="http://schemas.microsoft.com/office/drawing/2014/main" id="{A24F5F01-54F1-D04B-95E6-91B985BAEB39}"/>
+                </a:ext>
+              </a:extLst>
+            </p:cNvPr>
+            <p:cNvSpPr>
+              <a:spLocks noChangeAspect="1"/>
+            </p:cNvSpPr>
+            <p:nvPr/>
+          </p:nvSpPr>
+          <p:spPr>
+            <a:xfrm>
+              <a:off x="4324865" y="1912648"/>
+              <a:ext cx="182880" cy="182880"/>
+            </a:xfrm>
+            <a:prstGeom prst="roundRect">
+              <a:avLst/>
+            </a:prstGeom>
+            <a:solidFill>
+              <a:schemeClr val="accent3">
+                <a:lumMod val="75000"/>
+              </a:schemeClr>
+            </a:solidFill>
+            <a:ln>
+              <a:noFill/>
+            </a:ln>
+          </p:spPr>
+          <p:style>
+            <a:lnRef idx="2">
+              <a:schemeClr val="accent1">
+                <a:shade val="50000"/>
+              </a:schemeClr>
+            </a:lnRef>
+            <a:fillRef idx="1">
+              <a:schemeClr val="accent1"/>
+            </a:fillRef>
+            <a:effectRef idx="0">
+              <a:schemeClr val="accent1"/>
+            </a:effectRef>
+            <a:fontRef idx="minor">
+              <a:schemeClr val="lt1"/>
+            </a:fontRef>
+          </p:style>
+          <p:txBody>
+            <a:bodyPr rtlCol="0" anchor="ctr"/>
+            <a:lstStyle/>
+            <a:p>
+              <a:pPr algn="ctr"/>
+              <a:endParaRPr lang="en-US"/>
+            </a:p>
+          </p:txBody>
+        </p:sp>
+        <p:sp>
+          <p:nvSpPr>
+            <p:cNvPr id="20" name="Rounded Rectangle 19">
+              <a:extLst>
+                <a:ext uri="{FF2B5EF4-FFF2-40B4-BE49-F238E27FC236}">
+                  <a16:creationId xmlns:a16="http://schemas.microsoft.com/office/drawing/2014/main" id="{2501A920-4F40-9B41-AB4A-E3F0228A9E1E}"/>
+                </a:ext>
+              </a:extLst>
+            </p:cNvPr>
+            <p:cNvSpPr>
+              <a:spLocks noChangeAspect="1"/>
+            </p:cNvSpPr>
+            <p:nvPr/>
+          </p:nvSpPr>
+          <p:spPr>
+            <a:xfrm>
+              <a:off x="4656508" y="1912648"/>
+              <a:ext cx="182880" cy="182880"/>
+            </a:xfrm>
+            <a:prstGeom prst="roundRect">
+              <a:avLst/>
+            </a:prstGeom>
+            <a:solidFill>
+              <a:schemeClr val="accent2">
+                <a:lumMod val="50000"/>
+              </a:schemeClr>
+            </a:solidFill>
+            <a:ln>
+              <a:noFill/>
+            </a:ln>
+          </p:spPr>
+          <p:style>
+            <a:lnRef idx="2">
+              <a:schemeClr val="accent1">
+                <a:shade val="50000"/>
+              </a:schemeClr>
+            </a:lnRef>
+            <a:fillRef idx="1">
+              <a:schemeClr val="accent1"/>
+            </a:fillRef>
+            <a:effectRef idx="0">
+              <a:schemeClr val="accent1"/>
+            </a:effectRef>
+            <a:fontRef idx="minor">
+              <a:schemeClr val="lt1"/>
+            </a:fontRef>
+          </p:style>
+          <p:txBody>
+            <a:bodyPr rtlCol="0" anchor="ctr"/>
+            <a:lstStyle/>
+            <a:p>
+              <a:pPr algn="ctr"/>
+              <a:endParaRPr lang="en-US"/>
+            </a:p>
+          </p:txBody>
+        </p:sp>
+        <p:sp>
+          <p:nvSpPr>
+            <p:cNvPr id="21" name="Rounded Rectangle 20">
+              <a:extLst>
+                <a:ext uri="{FF2B5EF4-FFF2-40B4-BE49-F238E27FC236}">
+                  <a16:creationId xmlns:a16="http://schemas.microsoft.com/office/drawing/2014/main" id="{E93A21D5-235D-4642-9583-C3800DAB3D92}"/>
+                </a:ext>
+              </a:extLst>
+            </p:cNvPr>
+            <p:cNvSpPr>
+              <a:spLocks noChangeAspect="1"/>
+            </p:cNvSpPr>
+            <p:nvPr/>
+          </p:nvSpPr>
+          <p:spPr>
+            <a:xfrm>
+              <a:off x="4988150" y="1912648"/>
+              <a:ext cx="718817" cy="182880"/>
+            </a:xfrm>
+            <a:prstGeom prst="roundRect">
+              <a:avLst/>
+            </a:prstGeom>
+            <a:solidFill>
+              <a:schemeClr val="accent5">
+                <a:lumMod val="50000"/>
+              </a:schemeClr>
+            </a:solidFill>
+            <a:ln>
+              <a:noFill/>
+            </a:ln>
+          </p:spPr>
+          <p:style>
+            <a:lnRef idx="2">
+              <a:schemeClr val="accent1">
+                <a:shade val="50000"/>
+              </a:schemeClr>
+            </a:lnRef>
+            <a:fillRef idx="1">
+              <a:schemeClr val="accent1"/>
+            </a:fillRef>
+            <a:effectRef idx="0">
+              <a:schemeClr val="accent1"/>
+            </a:effectRef>
+            <a:fontRef idx="minor">
+              <a:schemeClr val="lt1"/>
+            </a:fontRef>
+          </p:style>
+          <p:txBody>
+            <a:bodyPr rtlCol="0" anchor="ctr"/>
+            <a:lstStyle/>
+            <a:p>
+              <a:pPr algn="ctr"/>
+              <a:endParaRPr lang="en-US"/>
+            </a:p>
+          </p:txBody>
+        </p:sp>
+        <p:sp>
+          <p:nvSpPr>
+            <p:cNvPr id="22" name="Rounded Rectangle 21">
+              <a:extLst>
+                <a:ext uri="{FF2B5EF4-FFF2-40B4-BE49-F238E27FC236}">
+                  <a16:creationId xmlns:a16="http://schemas.microsoft.com/office/drawing/2014/main" id="{8B3B3FB2-5E31-CD42-A2A5-551A2A3ECD44}"/>
+                </a:ext>
+              </a:extLst>
+            </p:cNvPr>
+            <p:cNvSpPr>
+              <a:spLocks noChangeAspect="1"/>
+            </p:cNvSpPr>
+            <p:nvPr/>
+          </p:nvSpPr>
+          <p:spPr>
+            <a:xfrm>
+              <a:off x="4324865" y="2225335"/>
+              <a:ext cx="182880" cy="182880"/>
+            </a:xfrm>
+            <a:prstGeom prst="roundRect">
+              <a:avLst/>
+            </a:prstGeom>
+            <a:solidFill>
+              <a:schemeClr val="accent5">
+                <a:lumMod val="50000"/>
+              </a:schemeClr>
+            </a:solidFill>
+            <a:ln>
+              <a:noFill/>
+            </a:ln>
+          </p:spPr>
+          <p:style>
+            <a:lnRef idx="2">
+              <a:schemeClr val="accent1">
+                <a:shade val="50000"/>
+              </a:schemeClr>
+            </a:lnRef>
+            <a:fillRef idx="1">
+              <a:schemeClr val="accent1"/>
+            </a:fillRef>
+            <a:effectRef idx="0">
+              <a:schemeClr val="accent1"/>
+            </a:effectRef>
+            <a:fontRef idx="minor">
+              <a:schemeClr val="lt1"/>
+            </a:fontRef>
+          </p:style>
+          <p:txBody>
+            <a:bodyPr rtlCol="0" anchor="ctr"/>
+            <a:lstStyle/>
+            <a:p>
+              <a:pPr algn="ctr"/>
+              <a:endParaRPr lang="en-US"/>
+            </a:p>
+          </p:txBody>
+        </p:sp>
+        <p:sp>
+          <p:nvSpPr>
+            <p:cNvPr id="23" name="Rounded Rectangle 22">
+              <a:extLst>
+                <a:ext uri="{FF2B5EF4-FFF2-40B4-BE49-F238E27FC236}">
+                  <a16:creationId xmlns:a16="http://schemas.microsoft.com/office/drawing/2014/main" id="{0EB1BB63-3DC5-1A4B-B404-0EECCEA7C34D}"/>
+                </a:ext>
+              </a:extLst>
+            </p:cNvPr>
+            <p:cNvSpPr>
+              <a:spLocks noChangeAspect="1"/>
+            </p:cNvSpPr>
+            <p:nvPr/>
+          </p:nvSpPr>
+          <p:spPr>
+            <a:xfrm>
+              <a:off x="4656508" y="2225335"/>
+              <a:ext cx="182880" cy="182880"/>
+            </a:xfrm>
+            <a:prstGeom prst="roundRect">
+              <a:avLst/>
+            </a:prstGeom>
+            <a:solidFill>
+              <a:schemeClr val="accent3">
+                <a:lumMod val="75000"/>
+              </a:schemeClr>
+            </a:solidFill>
+            <a:ln>
+              <a:noFill/>
+            </a:ln>
+          </p:spPr>
+          <p:style>
+            <a:lnRef idx="2">
+              <a:schemeClr val="accent1">
+                <a:shade val="50000"/>
+              </a:schemeClr>
+            </a:lnRef>
+            <a:fillRef idx="1">
+              <a:schemeClr val="accent1"/>
+            </a:fillRef>
+            <a:effectRef idx="0">
+              <a:schemeClr val="accent1"/>
+            </a:effectRef>
+            <a:fontRef idx="minor">
+              <a:schemeClr val="lt1"/>
+            </a:fontRef>
+          </p:style>
+          <p:txBody>
+            <a:bodyPr rtlCol="0" anchor="ctr"/>
+            <a:lstStyle/>
+            <a:p>
+              <a:pPr algn="ctr"/>
+              <a:endParaRPr lang="en-US"/>
+            </a:p>
+          </p:txBody>
+        </p:sp>
+        <p:sp>
+          <p:nvSpPr>
+            <p:cNvPr id="24" name="Rounded Rectangle 23">
+              <a:extLst>
+                <a:ext uri="{FF2B5EF4-FFF2-40B4-BE49-F238E27FC236}">
+                  <a16:creationId xmlns:a16="http://schemas.microsoft.com/office/drawing/2014/main" id="{EDDBD6B9-694A-C54C-9E3C-86AC0522271F}"/>
+                </a:ext>
+              </a:extLst>
+            </p:cNvPr>
+            <p:cNvSpPr>
+              <a:spLocks noChangeAspect="1"/>
+            </p:cNvSpPr>
+            <p:nvPr/>
+          </p:nvSpPr>
+          <p:spPr>
+            <a:xfrm>
+              <a:off x="4988150" y="2225335"/>
+              <a:ext cx="718817" cy="182880"/>
+            </a:xfrm>
+            <a:prstGeom prst="roundRect">
+              <a:avLst/>
+            </a:prstGeom>
+            <a:solidFill>
+              <a:schemeClr val="accent3">
+                <a:lumMod val="75000"/>
+              </a:schemeClr>
+            </a:solidFill>
+            <a:ln>
+              <a:noFill/>
+            </a:ln>
+          </p:spPr>
+          <p:style>
+            <a:lnRef idx="2">
+              <a:schemeClr val="accent1">
+                <a:shade val="50000"/>
+              </a:schemeClr>
+            </a:lnRef>
+            <a:fillRef idx="1">
+              <a:schemeClr val="accent1"/>
+            </a:fillRef>
+            <a:effectRef idx="0">
+              <a:schemeClr val="accent1"/>
+            </a:effectRef>
+            <a:fontRef idx="minor">
+              <a:schemeClr val="lt1"/>
+            </a:fontRef>
+          </p:style>
+          <p:txBody>
+            <a:bodyPr rtlCol="0" anchor="ctr"/>
+            <a:lstStyle/>
+            <a:p>
+              <a:pPr algn="ctr"/>
+              <a:endParaRPr lang="en-US"/>
+            </a:p>
+          </p:txBody>
+        </p:sp>
+        <p:sp>
+          <p:nvSpPr>
+            <p:cNvPr id="25" name="Rounded Rectangle 24">
+              <a:extLst>
+                <a:ext uri="{FF2B5EF4-FFF2-40B4-BE49-F238E27FC236}">
+                  <a16:creationId xmlns:a16="http://schemas.microsoft.com/office/drawing/2014/main" id="{2CF8931E-0781-1745-82D3-25BB24ED7B93}"/>
+                </a:ext>
+              </a:extLst>
+            </p:cNvPr>
+            <p:cNvSpPr>
+              <a:spLocks noChangeAspect="1"/>
+            </p:cNvSpPr>
+            <p:nvPr/>
+          </p:nvSpPr>
+          <p:spPr>
+            <a:xfrm>
+              <a:off x="4324865" y="2538022"/>
+              <a:ext cx="182880" cy="182880"/>
+            </a:xfrm>
+            <a:prstGeom prst="roundRect">
+              <a:avLst/>
+            </a:prstGeom>
+            <a:solidFill>
+              <a:schemeClr val="accent2">
+                <a:lumMod val="50000"/>
+              </a:schemeClr>
+            </a:solidFill>
+            <a:ln>
+              <a:noFill/>
+            </a:ln>
+          </p:spPr>
+          <p:style>
+            <a:lnRef idx="2">
+              <a:schemeClr val="accent1">
+                <a:shade val="50000"/>
+              </a:schemeClr>
+            </a:lnRef>
+            <a:fillRef idx="1">
+              <a:schemeClr val="accent1"/>
+            </a:fillRef>
+            <a:effectRef idx="0">
+              <a:schemeClr val="accent1"/>
+            </a:effectRef>
+            <a:fontRef idx="minor">
+              <a:schemeClr val="lt1"/>
+            </a:fontRef>
+          </p:style>
+          <p:txBody>
+            <a:bodyPr rtlCol="0" anchor="ctr"/>
+            <a:lstStyle/>
+            <a:p>
+              <a:pPr algn="ctr"/>
+              <a:endParaRPr lang="en-US"/>
+            </a:p>
+          </p:txBody>
+        </p:sp>
+        <p:sp>
+          <p:nvSpPr>
+            <p:cNvPr id="26" name="Rounded Rectangle 25">
+              <a:extLst>
+                <a:ext uri="{FF2B5EF4-FFF2-40B4-BE49-F238E27FC236}">
+                  <a16:creationId xmlns:a16="http://schemas.microsoft.com/office/drawing/2014/main" id="{0216F954-D5B3-4D41-A288-BCF1D5BD5E6D}"/>
+                </a:ext>
+              </a:extLst>
+            </p:cNvPr>
+            <p:cNvSpPr>
+              <a:spLocks noChangeAspect="1"/>
+            </p:cNvSpPr>
+            <p:nvPr/>
+          </p:nvSpPr>
+          <p:spPr>
+            <a:xfrm>
+              <a:off x="4656508" y="2538022"/>
+              <a:ext cx="182880" cy="182880"/>
+            </a:xfrm>
+            <a:prstGeom prst="roundRect">
+              <a:avLst/>
+            </a:prstGeom>
+            <a:solidFill>
+              <a:schemeClr val="accent3">
+                <a:lumMod val="75000"/>
+              </a:schemeClr>
+            </a:solidFill>
+            <a:ln>
+              <a:noFill/>
+            </a:ln>
+          </p:spPr>
+          <p:style>
+            <a:lnRef idx="2">
+              <a:schemeClr val="accent1">
+                <a:shade val="50000"/>
+              </a:schemeClr>
+            </a:lnRef>
+            <a:fillRef idx="1">
+              <a:schemeClr val="accent1"/>
+            </a:fillRef>
+            <a:effectRef idx="0">
+              <a:schemeClr val="accent1"/>
+            </a:effectRef>
+            <a:fontRef idx="minor">
+              <a:schemeClr val="lt1"/>
+            </a:fontRef>
+          </p:style>
+          <p:txBody>
+            <a:bodyPr rtlCol="0" anchor="ctr"/>
+            <a:lstStyle/>
+            <a:p>
+              <a:pPr algn="ctr"/>
+              <a:endParaRPr lang="en-US"/>
+            </a:p>
+          </p:txBody>
+        </p:sp>
+        <p:sp>
+          <p:nvSpPr>
+            <p:cNvPr id="27" name="Rounded Rectangle 26">
+              <a:extLst>
+                <a:ext uri="{FF2B5EF4-FFF2-40B4-BE49-F238E27FC236}">
+                  <a16:creationId xmlns:a16="http://schemas.microsoft.com/office/drawing/2014/main" id="{55AF9247-65F2-5242-8AD2-D5333A2E3AEA}"/>
+                </a:ext>
+              </a:extLst>
+            </p:cNvPr>
+            <p:cNvSpPr>
+              <a:spLocks noChangeAspect="1"/>
+            </p:cNvSpPr>
+            <p:nvPr/>
+          </p:nvSpPr>
+          <p:spPr>
+            <a:xfrm>
+              <a:off x="4988150" y="2538022"/>
+              <a:ext cx="718817" cy="182880"/>
+            </a:xfrm>
+            <a:prstGeom prst="roundRect">
+              <a:avLst/>
+            </a:prstGeom>
+            <a:solidFill>
+              <a:schemeClr val="accent2">
+                <a:lumMod val="50000"/>
+              </a:schemeClr>
+            </a:solidFill>
+            <a:ln>
+              <a:noFill/>
+            </a:ln>
+          </p:spPr>
+          <p:style>
+            <a:lnRef idx="2">
+              <a:schemeClr val="accent1">
+                <a:shade val="50000"/>
+              </a:schemeClr>
+            </a:lnRef>
+            <a:fillRef idx="1">
+              <a:schemeClr val="accent1"/>
+            </a:fillRef>
+            <a:effectRef idx="0">
+              <a:schemeClr val="accent1"/>
+            </a:effectRef>
+            <a:fontRef idx="minor">
+              <a:schemeClr val="lt1"/>
+            </a:fontRef>
+          </p:style>
+          <p:txBody>
+            <a:bodyPr rtlCol="0" anchor="ctr"/>
+            <a:lstStyle/>
+            <a:p>
+              <a:pPr algn="ctr"/>
+              <a:endParaRPr lang="en-US"/>
+            </a:p>
+          </p:txBody>
+        </p:sp>
+        <p:sp>
+          <p:nvSpPr>
+            <p:cNvPr id="28" name="Rounded Rectangle 27">
+              <a:extLst>
+                <a:ext uri="{FF2B5EF4-FFF2-40B4-BE49-F238E27FC236}">
+                  <a16:creationId xmlns:a16="http://schemas.microsoft.com/office/drawing/2014/main" id="{2E694889-773E-AA40-A613-0DBA8B8A0E8F}"/>
+                </a:ext>
+              </a:extLst>
+            </p:cNvPr>
+            <p:cNvSpPr>
+              <a:spLocks noChangeAspect="1"/>
+            </p:cNvSpPr>
+            <p:nvPr/>
+          </p:nvSpPr>
+          <p:spPr>
+            <a:xfrm>
+              <a:off x="4324865" y="2850709"/>
+              <a:ext cx="182880" cy="182880"/>
+            </a:xfrm>
+            <a:prstGeom prst="roundRect">
+              <a:avLst/>
+            </a:prstGeom>
+            <a:solidFill>
+              <a:schemeClr val="accent3">
+                <a:lumMod val="75000"/>
+              </a:schemeClr>
+            </a:solidFill>
+            <a:ln>
+              <a:noFill/>
+            </a:ln>
+          </p:spPr>
+          <p:style>
+            <a:lnRef idx="2">
+              <a:schemeClr val="accent1">
+                <a:shade val="50000"/>
+              </a:schemeClr>
+            </a:lnRef>
+            <a:fillRef idx="1">
+              <a:schemeClr val="accent1"/>
+            </a:fillRef>
+            <a:effectRef idx="0">
+              <a:schemeClr val="accent1"/>
+            </a:effectRef>
+            <a:fontRef idx="minor">
+              <a:schemeClr val="lt1"/>
+            </a:fontRef>
+          </p:style>
+          <p:txBody>
+            <a:bodyPr rtlCol="0" anchor="ctr"/>
+            <a:lstStyle/>
+            <a:p>
+              <a:pPr algn="ctr"/>
+              <a:endParaRPr lang="en-US"/>
+            </a:p>
+          </p:txBody>
+        </p:sp>
+        <p:sp>
+          <p:nvSpPr>
+            <p:cNvPr id="29" name="Rounded Rectangle 28">
+              <a:extLst>
+                <a:ext uri="{FF2B5EF4-FFF2-40B4-BE49-F238E27FC236}">
+                  <a16:creationId xmlns:a16="http://schemas.microsoft.com/office/drawing/2014/main" id="{D905239A-DCA1-8D4E-8327-4166D5808F46}"/>
+                </a:ext>
+              </a:extLst>
+            </p:cNvPr>
+            <p:cNvSpPr>
+              <a:spLocks noChangeAspect="1"/>
+            </p:cNvSpPr>
+            <p:nvPr/>
+          </p:nvSpPr>
+          <p:spPr>
+            <a:xfrm>
+              <a:off x="4656508" y="2850709"/>
+              <a:ext cx="182880" cy="182880"/>
+            </a:xfrm>
+            <a:prstGeom prst="roundRect">
+              <a:avLst/>
+            </a:prstGeom>
+            <a:solidFill>
+              <a:schemeClr val="accent5">
+                <a:lumMod val="50000"/>
+              </a:schemeClr>
+            </a:solidFill>
+            <a:ln>
+              <a:noFill/>
+            </a:ln>
+          </p:spPr>
+          <p:style>
+            <a:lnRef idx="2">
+              <a:schemeClr val="accent1">
+                <a:shade val="50000"/>
+              </a:schemeClr>
+            </a:lnRef>
+            <a:fillRef idx="1">
+              <a:schemeClr val="accent1"/>
+            </a:fillRef>
+            <a:effectRef idx="0">
+              <a:schemeClr val="accent1"/>
+            </a:effectRef>
+            <a:fontRef idx="minor">
+              <a:schemeClr val="lt1"/>
+            </a:fontRef>
+          </p:style>
+          <p:txBody>
+            <a:bodyPr rtlCol="0" anchor="ctr"/>
+            <a:lstStyle/>
+            <a:p>
+              <a:pPr algn="ctr"/>
+              <a:endParaRPr lang="en-US"/>
+            </a:p>
+          </p:txBody>
+        </p:sp>
+        <p:sp>
+          <p:nvSpPr>
+            <p:cNvPr id="30" name="Rounded Rectangle 29">
+              <a:extLst>
+                <a:ext uri="{FF2B5EF4-FFF2-40B4-BE49-F238E27FC236}">
+                  <a16:creationId xmlns:a16="http://schemas.microsoft.com/office/drawing/2014/main" id="{3FC2022F-6465-FE49-86B1-C3D1907FF54B}"/>
+                </a:ext>
+              </a:extLst>
+            </p:cNvPr>
+            <p:cNvSpPr>
+              <a:spLocks noChangeAspect="1"/>
+            </p:cNvSpPr>
+            <p:nvPr/>
+          </p:nvSpPr>
+          <p:spPr>
+            <a:xfrm>
+              <a:off x="4988150" y="2850709"/>
+              <a:ext cx="718817" cy="182880"/>
+            </a:xfrm>
+            <a:prstGeom prst="roundRect">
+              <a:avLst/>
+            </a:prstGeom>
+            <a:solidFill>
+              <a:schemeClr val="accent3">
+                <a:lumMod val="75000"/>
+              </a:schemeClr>
+            </a:solidFill>
+            <a:ln>
+              <a:noFill/>
+            </a:ln>
+          </p:spPr>
+          <p:style>
+            <a:lnRef idx="2">
+              <a:schemeClr val="accent1">
+                <a:shade val="50000"/>
+              </a:schemeClr>
+            </a:lnRef>
+            <a:fillRef idx="1">
+              <a:schemeClr val="accent1"/>
+            </a:fillRef>
+            <a:effectRef idx="0">
+              <a:schemeClr val="accent1"/>
+            </a:effectRef>
+            <a:fontRef idx="minor">
+              <a:schemeClr val="lt1"/>
+            </a:fontRef>
+          </p:style>
+          <p:txBody>
+            <a:bodyPr rtlCol="0" anchor="ctr"/>
+            <a:lstStyle/>
+            <a:p>
+              <a:pPr algn="ctr"/>
+              <a:endParaRPr lang="en-US"/>
+            </a:p>
+          </p:txBody>
+        </p:sp>
+        <p:sp>
+          <p:nvSpPr>
+            <p:cNvPr id="31" name="Rounded Rectangle 30">
+              <a:extLst>
+                <a:ext uri="{FF2B5EF4-FFF2-40B4-BE49-F238E27FC236}">
+                  <a16:creationId xmlns:a16="http://schemas.microsoft.com/office/drawing/2014/main" id="{C7272172-D0F7-3441-8442-FF6DE43BB9BF}"/>
+                </a:ext>
+              </a:extLst>
+            </p:cNvPr>
+            <p:cNvSpPr>
+              <a:spLocks noChangeAspect="1"/>
+            </p:cNvSpPr>
+            <p:nvPr/>
+          </p:nvSpPr>
+          <p:spPr>
+            <a:xfrm>
+              <a:off x="6302155" y="2381678"/>
+              <a:ext cx="182880" cy="182880"/>
+            </a:xfrm>
+            <a:prstGeom prst="roundRect">
+              <a:avLst/>
+            </a:prstGeom>
+            <a:solidFill>
+              <a:schemeClr val="accent5">
+                <a:lumMod val="50000"/>
+              </a:schemeClr>
+            </a:solidFill>
+            <a:ln>
+              <a:noFill/>
+            </a:ln>
+          </p:spPr>
+          <p:style>
+            <a:lnRef idx="2">
+              <a:schemeClr val="accent1">
+                <a:shade val="50000"/>
+              </a:schemeClr>
+            </a:lnRef>
+            <a:fillRef idx="1">
+              <a:schemeClr val="accent1"/>
+            </a:fillRef>
+            <a:effectRef idx="0">
+              <a:schemeClr val="accent1"/>
+            </a:effectRef>
+            <a:fontRef idx="minor">
+              <a:schemeClr val="lt1"/>
+            </a:fontRef>
+          </p:style>
+          <p:txBody>
+            <a:bodyPr rtlCol="0" anchor="ctr"/>
+            <a:lstStyle/>
+            <a:p>
+              <a:pPr algn="ctr"/>
+              <a:endParaRPr lang="en-US"/>
+            </a:p>
+          </p:txBody>
+        </p:sp>
+        <p:sp>
+          <p:nvSpPr>
+            <p:cNvPr id="32" name="Rounded Rectangle 31">
+              <a:extLst>
+                <a:ext uri="{FF2B5EF4-FFF2-40B4-BE49-F238E27FC236}">
+                  <a16:creationId xmlns:a16="http://schemas.microsoft.com/office/drawing/2014/main" id="{89774511-85AC-1D43-B478-2FF6CE161DE2}"/>
+                </a:ext>
+              </a:extLst>
+            </p:cNvPr>
+            <p:cNvSpPr>
+              <a:spLocks noChangeAspect="1"/>
+            </p:cNvSpPr>
+            <p:nvPr/>
+          </p:nvSpPr>
+          <p:spPr>
+            <a:xfrm>
+              <a:off x="6633797" y="2381678"/>
+              <a:ext cx="182880" cy="182880"/>
+            </a:xfrm>
+            <a:prstGeom prst="roundRect">
+              <a:avLst/>
+            </a:prstGeom>
+            <a:solidFill>
+              <a:schemeClr val="accent3">
+                <a:lumMod val="75000"/>
+              </a:schemeClr>
+            </a:solidFill>
+            <a:ln>
+              <a:noFill/>
+            </a:ln>
+          </p:spPr>
+          <p:style>
+            <a:lnRef idx="2">
+              <a:schemeClr val="accent1">
+                <a:shade val="50000"/>
+              </a:schemeClr>
+            </a:lnRef>
+            <a:fillRef idx="1">
+              <a:schemeClr val="accent1"/>
+            </a:fillRef>
+            <a:effectRef idx="0">
+              <a:schemeClr val="accent1"/>
+            </a:effectRef>
+            <a:fontRef idx="minor">
+              <a:schemeClr val="lt1"/>
+            </a:fontRef>
+          </p:style>
+          <p:txBody>
+            <a:bodyPr rtlCol="0" anchor="ctr"/>
+            <a:lstStyle/>
+            <a:p>
+              <a:pPr algn="ctr"/>
+              <a:endParaRPr lang="en-US"/>
+            </a:p>
+          </p:txBody>
+        </p:sp>
+        <p:sp>
+          <p:nvSpPr>
+            <p:cNvPr id="33" name="Rounded Rectangle 32">
+              <a:extLst>
+                <a:ext uri="{FF2B5EF4-FFF2-40B4-BE49-F238E27FC236}">
+                  <a16:creationId xmlns:a16="http://schemas.microsoft.com/office/drawing/2014/main" id="{310B561E-9F4A-DB44-975B-089B8A20695E}"/>
+                </a:ext>
+              </a:extLst>
+            </p:cNvPr>
+            <p:cNvSpPr>
+              <a:spLocks noChangeAspect="1"/>
+            </p:cNvSpPr>
+            <p:nvPr/>
+          </p:nvSpPr>
+          <p:spPr>
+            <a:xfrm>
+              <a:off x="6965440" y="2385796"/>
+              <a:ext cx="861445" cy="182880"/>
+            </a:xfrm>
+            <a:prstGeom prst="roundRect">
+              <a:avLst/>
+            </a:prstGeom>
+            <a:solidFill>
+              <a:schemeClr val="accent3">
+                <a:lumMod val="75000"/>
+              </a:schemeClr>
+            </a:solidFill>
+            <a:ln>
+              <a:noFill/>
+            </a:ln>
+          </p:spPr>
+          <p:style>
+            <a:lnRef idx="2">
+              <a:schemeClr val="accent1">
+                <a:shade val="50000"/>
+              </a:schemeClr>
+            </a:lnRef>
+            <a:fillRef idx="1">
+              <a:schemeClr val="accent1"/>
+            </a:fillRef>
+            <a:effectRef idx="0">
+              <a:schemeClr val="accent1"/>
+            </a:effectRef>
+            <a:fontRef idx="minor">
+              <a:schemeClr val="lt1"/>
+            </a:fontRef>
+          </p:style>
+          <p:txBody>
+            <a:bodyPr rtlCol="0" anchor="ctr"/>
+            <a:lstStyle/>
+            <a:p>
+              <a:pPr algn="ctr"/>
+              <a:endParaRPr lang="en-US"/>
+            </a:p>
+          </p:txBody>
+        </p:sp>
+        <p:sp>
+          <p:nvSpPr>
+            <p:cNvPr id="6" name="Chevron 5">
+              <a:extLst>
+                <a:ext uri="{FF2B5EF4-FFF2-40B4-BE49-F238E27FC236}">
+                  <a16:creationId xmlns:a16="http://schemas.microsoft.com/office/drawing/2014/main" id="{B5A73C6A-CF52-9B4A-92D3-1369ABB6A15B}"/>
+                </a:ext>
+              </a:extLst>
+            </p:cNvPr>
+            <p:cNvSpPr/>
+            <p:nvPr/>
+          </p:nvSpPr>
+          <p:spPr>
+            <a:xfrm>
+              <a:off x="7534048" y="2225335"/>
+              <a:ext cx="463399" cy="495567"/>
+            </a:xfrm>
+            <a:prstGeom prst="chevron">
+              <a:avLst>
+                <a:gd name="adj" fmla="val 50000"/>
+              </a:avLst>
+            </a:prstGeom>
+            <a:solidFill>
+              <a:schemeClr val="accent3">
+                <a:lumMod val="75000"/>
+              </a:schemeClr>
+            </a:solidFill>
+            <a:ln>
+              <a:noFill/>
+            </a:ln>
+          </p:spPr>
+          <p:style>
+            <a:lnRef idx="2">
+              <a:schemeClr val="accent1">
+                <a:shade val="50000"/>
+              </a:schemeClr>
+            </a:lnRef>
+            <a:fillRef idx="1">
+              <a:schemeClr val="accent1"/>
+            </a:fillRef>
+            <a:effectRef idx="0">
+              <a:schemeClr val="accent1"/>
+            </a:effectRef>
+            <a:fontRef idx="minor">
+              <a:schemeClr val="lt1"/>
+            </a:fontRef>
+          </p:style>
+          <p:txBody>
+            <a:bodyPr rtlCol="0" anchor="ctr"/>
+            <a:lstStyle/>
+            <a:p>
+              <a:pPr algn="ctr"/>
+              <a:endParaRPr lang="en-US">
+                <a:solidFill>
+                  <a:schemeClr val="tx1"/>
+                </a:solidFill>
+              </a:endParaRPr>
+            </a:p>
+          </p:txBody>
+        </p:sp>
+        <p:sp>
+          <p:nvSpPr>
+            <p:cNvPr id="7" name="Arc 6">
+              <a:extLst>
+                <a:ext uri="{FF2B5EF4-FFF2-40B4-BE49-F238E27FC236}">
+                  <a16:creationId xmlns:a16="http://schemas.microsoft.com/office/drawing/2014/main" id="{0DEC1762-38DC-6841-A523-750759C57F70}"/>
+                </a:ext>
+              </a:extLst>
+            </p:cNvPr>
+            <p:cNvSpPr/>
+            <p:nvPr/>
+          </p:nvSpPr>
+          <p:spPr>
+            <a:xfrm rot="16200000" flipH="1">
+              <a:off x="5261317" y="2887371"/>
+              <a:ext cx="967104" cy="634170"/>
+            </a:xfrm>
+            <a:prstGeom prst="arc">
+              <a:avLst/>
+            </a:prstGeom>
+            <a:noFill/>
+            <a:ln w="130175" cap="flat">
+              <a:solidFill>
+                <a:schemeClr val="tx2">
+                  <a:lumMod val="50000"/>
+                </a:schemeClr>
+              </a:solidFill>
+            </a:ln>
+          </p:spPr>
+          <p:style>
+            <a:lnRef idx="1">
+              <a:schemeClr val="accent1"/>
+            </a:lnRef>
+            <a:fillRef idx="0">
+              <a:schemeClr val="accent1"/>
+            </a:fillRef>
+            <a:effectRef idx="0">
+              <a:schemeClr val="accent1"/>
+            </a:effectRef>
+            <a:fontRef idx="minor">
+              <a:schemeClr val="tx1"/>
+            </a:fontRef>
+          </p:style>
+          <p:txBody>
+            <a:bodyPr rtlCol="0" anchor="ctr"/>
+            <a:lstStyle/>
+            <a:p>
+              <a:pPr algn="ctr"/>
+              <a:endParaRPr lang="en-US"/>
+            </a:p>
+          </p:txBody>
+        </p:sp>
+        <p:sp>
+          <p:nvSpPr>
+            <p:cNvPr id="37" name="Arc 36">
+              <a:extLst>
+                <a:ext uri="{FF2B5EF4-FFF2-40B4-BE49-F238E27FC236}">
+                  <a16:creationId xmlns:a16="http://schemas.microsoft.com/office/drawing/2014/main" id="{E746BF65-18CE-7941-AAB0-504AAA7BA94A}"/>
+                </a:ext>
+              </a:extLst>
+            </p:cNvPr>
+            <p:cNvSpPr/>
+            <p:nvPr/>
+          </p:nvSpPr>
+          <p:spPr>
+            <a:xfrm rot="5400000">
+              <a:off x="4548339" y="2174392"/>
+              <a:ext cx="2393058" cy="634170"/>
+            </a:xfrm>
+            <a:prstGeom prst="arc">
+              <a:avLst/>
+            </a:prstGeom>
+            <a:noFill/>
+            <a:ln w="130175" cap="flat">
+              <a:solidFill>
+                <a:schemeClr val="tx2">
+                  <a:lumMod val="50000"/>
+                </a:schemeClr>
+              </a:solidFill>
+            </a:ln>
+          </p:spPr>
+          <p:style>
+            <a:lnRef idx="1">
+              <a:schemeClr val="accent1"/>
+            </a:lnRef>
+            <a:fillRef idx="0">
+              <a:schemeClr val="accent1"/>
+            </a:fillRef>
+            <a:effectRef idx="0">
+              <a:schemeClr val="accent1"/>
+            </a:effectRef>
+            <a:fontRef idx="minor">
+              <a:schemeClr val="tx1"/>
+            </a:fontRef>
+          </p:style>
+          <p:txBody>
+            <a:bodyPr rtlCol="0" anchor="ctr"/>
+            <a:lstStyle/>
+            <a:p>
+              <a:pPr algn="ctr"/>
+              <a:endParaRPr lang="en-US"/>
+            </a:p>
+          </p:txBody>
+        </p:sp>
+        <p:sp>
+          <p:nvSpPr>
+            <p:cNvPr id="39" name="Arc 38">
+              <a:extLst>
+                <a:ext uri="{FF2B5EF4-FFF2-40B4-BE49-F238E27FC236}">
+                  <a16:creationId xmlns:a16="http://schemas.microsoft.com/office/drawing/2014/main" id="{931E513C-5237-314D-A959-051F1A958442}"/>
+                </a:ext>
+              </a:extLst>
+            </p:cNvPr>
+            <p:cNvSpPr/>
+            <p:nvPr/>
+          </p:nvSpPr>
+          <p:spPr>
+            <a:xfrm rot="16200000" flipV="1">
+              <a:off x="4551307" y="2186886"/>
+              <a:ext cx="2393058" cy="634170"/>
+            </a:xfrm>
+            <a:prstGeom prst="arc">
+              <a:avLst/>
+            </a:prstGeom>
+            <a:noFill/>
+            <a:ln w="130175" cap="flat">
+              <a:solidFill>
+                <a:schemeClr val="tx2">
+                  <a:lumMod val="50000"/>
+                </a:schemeClr>
+              </a:solidFill>
+            </a:ln>
+          </p:spPr>
+          <p:style>
+            <a:lnRef idx="1">
+              <a:schemeClr val="accent1"/>
+            </a:lnRef>
+            <a:fillRef idx="0">
+              <a:schemeClr val="accent1"/>
+            </a:fillRef>
+            <a:effectRef idx="0">
+              <a:schemeClr val="accent1"/>
+            </a:effectRef>
+            <a:fontRef idx="minor">
+              <a:schemeClr val="tx1"/>
+            </a:fontRef>
+          </p:style>
+          <p:txBody>
+            <a:bodyPr rtlCol="0" anchor="ctr"/>
+            <a:lstStyle/>
+            <a:p>
+              <a:pPr algn="ctr"/>
+              <a:endParaRPr lang="en-US"/>
+            </a:p>
+          </p:txBody>
+        </p:sp>
+        <p:sp>
+          <p:nvSpPr>
+            <p:cNvPr id="40" name="Arc 39">
+              <a:extLst>
+                <a:ext uri="{FF2B5EF4-FFF2-40B4-BE49-F238E27FC236}">
+                  <a16:creationId xmlns:a16="http://schemas.microsoft.com/office/drawing/2014/main" id="{71E75B20-FEAD-B645-BF8A-C032254DAE71}"/>
+                </a:ext>
+              </a:extLst>
+            </p:cNvPr>
+            <p:cNvSpPr/>
+            <p:nvPr/>
+          </p:nvSpPr>
+          <p:spPr>
+            <a:xfrm rot="5400000" flipH="1" flipV="1">
+              <a:off x="5294067" y="1473714"/>
+              <a:ext cx="967104" cy="634170"/>
+            </a:xfrm>
+            <a:prstGeom prst="arc">
+              <a:avLst/>
+            </a:prstGeom>
+            <a:noFill/>
+            <a:ln w="130175" cap="flat">
+              <a:solidFill>
+                <a:schemeClr val="tx2">
+                  <a:lumMod val="50000"/>
+                </a:schemeClr>
+              </a:solidFill>
+            </a:ln>
+          </p:spPr>
+          <p:style>
+            <a:lnRef idx="1">
+              <a:schemeClr val="accent1"/>
+            </a:lnRef>
+            <a:fillRef idx="0">
+              <a:schemeClr val="accent1"/>
+            </a:fillRef>
+            <a:effectRef idx="0">
+              <a:schemeClr val="accent1"/>
+            </a:effectRef>
+            <a:fontRef idx="minor">
+              <a:schemeClr val="tx1"/>
+            </a:fontRef>
+          </p:style>
+          <p:txBody>
+            <a:bodyPr rtlCol="0" anchor="ctr"/>
+            <a:lstStyle/>
+            <a:p>
+              <a:pPr algn="ctr"/>
+              <a:endParaRPr lang="en-US"/>
+            </a:p>
+          </p:txBody>
+        </p:sp>
+        <p:cxnSp>
+          <p:nvCxnSpPr>
+            <p:cNvPr id="10" name="Straight Connector 9">
+              <a:extLst>
+                <a:ext uri="{FF2B5EF4-FFF2-40B4-BE49-F238E27FC236}">
+                  <a16:creationId xmlns:a16="http://schemas.microsoft.com/office/drawing/2014/main" id="{46F9285A-695C-4342-B571-DA9E5DE3111C}"/>
+                </a:ext>
+              </a:extLst>
+            </p:cNvPr>
+            <p:cNvCxnSpPr>
+              <a:stCxn id="40" idx="2"/>
+            </p:cNvCxnSpPr>
+            <p:nvPr/>
+          </p:nvCxnSpPr>
+          <p:spPr>
+            <a:xfrm>
+              <a:off x="5777619" y="1307247"/>
+              <a:ext cx="1422078" cy="696841"/>
+            </a:xfrm>
+            <a:prstGeom prst="line">
+              <a:avLst/>
+            </a:prstGeom>
+            <a:ln w="130175" cap="rnd">
+              <a:solidFill>
+                <a:schemeClr val="tx2">
+                  <a:lumMod val="50000"/>
+                </a:schemeClr>
+              </a:solidFill>
+            </a:ln>
+          </p:spPr>
+          <p:style>
+            <a:lnRef idx="1">
+              <a:schemeClr val="accent1"/>
+            </a:lnRef>
+            <a:fillRef idx="0">
+              <a:schemeClr val="accent1"/>
+            </a:fillRef>
+            <a:effectRef idx="0">
+              <a:schemeClr val="accent1"/>
+            </a:effectRef>
+            <a:fontRef idx="minor">
+              <a:schemeClr val="tx1"/>
+            </a:fontRef>
+          </p:style>
+        </p:cxnSp>
+        <p:cxnSp>
+          <p:nvCxnSpPr>
+            <p:cNvPr id="42" name="Straight Connector 41">
+              <a:extLst>
+                <a:ext uri="{FF2B5EF4-FFF2-40B4-BE49-F238E27FC236}">
+                  <a16:creationId xmlns:a16="http://schemas.microsoft.com/office/drawing/2014/main" id="{DB46239C-65D8-A54B-B489-1D1BEEC08A1C}"/>
+                </a:ext>
+              </a:extLst>
+            </p:cNvPr>
+            <p:cNvCxnSpPr>
+              <a:cxnSpLocks/>
+              <a:stCxn id="37" idx="2"/>
+            </p:cNvCxnSpPr>
+            <p:nvPr/>
+          </p:nvCxnSpPr>
+          <p:spPr>
+            <a:xfrm flipV="1">
+              <a:off x="5744868" y="2979532"/>
+              <a:ext cx="1480375" cy="708474"/>
+            </a:xfrm>
+            <a:prstGeom prst="line">
+              <a:avLst/>
+            </a:prstGeom>
+            <a:ln w="130175" cap="rnd">
+              <a:solidFill>
+                <a:schemeClr val="tx2">
+                  <a:lumMod val="50000"/>
+                </a:schemeClr>
+              </a:solidFill>
+              <a:headEnd type="none"/>
+            </a:ln>
+          </p:spPr>
+          <p:style>
+            <a:lnRef idx="1">
+              <a:schemeClr val="accent1"/>
+            </a:lnRef>
+            <a:fillRef idx="0">
+              <a:schemeClr val="accent1"/>
+            </a:fillRef>
+            <a:effectRef idx="0">
+              <a:schemeClr val="accent1"/>
+            </a:effectRef>
+            <a:fontRef idx="minor">
+              <a:schemeClr val="tx1"/>
+            </a:fontRef>
+          </p:style>
+        </p:cxnSp>
+        <p:sp>
+          <p:nvSpPr>
+            <p:cNvPr id="44" name="Rectangle 43">
+              <a:extLst>
+                <a:ext uri="{FF2B5EF4-FFF2-40B4-BE49-F238E27FC236}">
+                  <a16:creationId xmlns:a16="http://schemas.microsoft.com/office/drawing/2014/main" id="{8759BFD2-03ED-9646-81E7-6F466D39E32A}"/>
+                </a:ext>
+              </a:extLst>
+            </p:cNvPr>
+            <p:cNvSpPr/>
+            <p:nvPr/>
+          </p:nvSpPr>
+          <p:spPr>
+            <a:xfrm rot="19807558">
+              <a:off x="5763081" y="5611948"/>
+              <a:ext cx="2873230" cy="261610"/>
+            </a:xfrm>
+            <a:prstGeom prst="rect">
+              <a:avLst/>
+            </a:prstGeom>
+            <a:noFill/>
+          </p:spPr>
+          <p:txBody>
+            <a:bodyPr wrap="square" lIns="91440" tIns="45720" rIns="91440" bIns="45720">
+              <a:spAutoFit/>
+            </a:bodyPr>
+            <a:lstStyle/>
+            <a:p>
+              <a:pPr marL="0" marR="0" lvl="0" indent="0" algn="ctr" defTabSz="914400" rtl="0" eaLnBrk="1" fontAlgn="auto" latinLnBrk="0" hangingPunct="1">
+                <a:lnSpc>
+                  <a:spcPct val="100000"/>
+                </a:lnSpc>
+                <a:spcBef>
+                  <a:spcPts val="0"/>
+                </a:spcBef>
+                <a:spcAft>
+                  <a:spcPts val="0"/>
+                </a:spcAft>
+                <a:buClrTx/>
+                <a:buSzTx/>
+                <a:buFontTx/>
+                <a:buNone/>
+                <a:tabLst/>
+                <a:defRPr/>
+              </a:pPr>
+              <a:r>
+                <a:rPr kumimoji="0" lang="en-US" sz="1100" b="0" i="0" u="none" strike="noStrike" kern="1200" cap="none" spc="0" normalizeH="0" baseline="0" noProof="0" dirty="0" err="1">
+                  <a:ln>
+                    <a:noFill/>
+                  </a:ln>
+                  <a:solidFill>
+                    <a:schemeClr val="accent5">
+                      <a:lumMod val="50000"/>
+                    </a:schemeClr>
+                  </a:solidFill>
+                  <a:effectLst/>
+                  <a:uLnTx/>
+                  <a:uFillTx/>
+                  <a:latin typeface="Raleway"/>
+                  <a:ea typeface="+mn-ea"/>
+                  <a:cs typeface="+mn-cs"/>
+                </a:rPr>
+                <a:t>github.com</a:t>
+              </a:r>
+              <a:r>
+                <a:rPr kumimoji="0" lang="en-US" sz="1100" b="0" i="0" u="none" strike="noStrike" kern="1200" cap="none" spc="0" normalizeH="0" baseline="0" noProof="0" dirty="0">
+                  <a:ln>
+                    <a:noFill/>
+                  </a:ln>
+                  <a:solidFill>
+                    <a:schemeClr val="accent5">
+                      <a:lumMod val="50000"/>
+                    </a:schemeClr>
+                  </a:solidFill>
+                  <a:effectLst/>
+                  <a:uLnTx/>
+                  <a:uFillTx/>
+                  <a:latin typeface="Raleway"/>
+                  <a:ea typeface="+mn-ea"/>
+                  <a:cs typeface="+mn-cs"/>
+                </a:rPr>
+                <a:t>/</a:t>
+              </a:r>
+              <a:r>
+                <a:rPr kumimoji="0" lang="en-US" sz="1100" b="0" i="0" u="none" strike="noStrike" kern="1200" cap="none" spc="0" normalizeH="0" baseline="0" noProof="0" dirty="0" err="1">
+                  <a:ln>
+                    <a:noFill/>
+                  </a:ln>
+                  <a:solidFill>
+                    <a:schemeClr val="accent5">
+                      <a:lumMod val="50000"/>
+                    </a:schemeClr>
+                  </a:solidFill>
+                  <a:effectLst/>
+                  <a:uLnTx/>
+                  <a:uFillTx/>
+                  <a:latin typeface="Raleway"/>
+                  <a:ea typeface="+mn-ea"/>
+                  <a:cs typeface="+mn-cs"/>
+                </a:rPr>
+                <a:t>colbyford</a:t>
+              </a:r>
+              <a:r>
+                <a:rPr kumimoji="0" lang="en-US" sz="1100" b="0" i="0" u="none" strike="noStrike" kern="1200" cap="none" spc="0" normalizeH="0" baseline="0" noProof="0" dirty="0">
+                  <a:ln>
+                    <a:noFill/>
+                  </a:ln>
+                  <a:solidFill>
+                    <a:schemeClr val="accent5">
+                      <a:lumMod val="50000"/>
+                    </a:schemeClr>
+                  </a:solidFill>
+                  <a:effectLst/>
+                  <a:uLnTx/>
+                  <a:uFillTx/>
+                  <a:latin typeface="Raleway"/>
+                  <a:ea typeface="+mn-ea"/>
+                  <a:cs typeface="+mn-cs"/>
+                </a:rPr>
+                <a:t>/</a:t>
+              </a:r>
+              <a:r>
+                <a:rPr kumimoji="0" lang="en-US" sz="1100" b="0" i="0" u="none" strike="noStrike" kern="1200" cap="none" spc="0" normalizeH="0" baseline="0" noProof="0" dirty="0" err="1">
+                  <a:ln>
+                    <a:noFill/>
+                  </a:ln>
+                  <a:solidFill>
+                    <a:schemeClr val="accent5">
+                      <a:lumMod val="50000"/>
+                    </a:schemeClr>
+                  </a:solidFill>
+                  <a:effectLst/>
+                  <a:uLnTx/>
+                  <a:uFillTx/>
+                  <a:latin typeface="Raleway"/>
+                  <a:ea typeface="+mn-ea"/>
+                  <a:cs typeface="+mn-cs"/>
+                </a:rPr>
+                <a:t>cytosieve</a:t>
+              </a:r>
+              <a:endParaRPr kumimoji="0" lang="en-US" sz="1100" b="0" i="0" u="none" strike="noStrike" kern="1200" cap="none" spc="0" normalizeH="0" baseline="0" noProof="0" dirty="0">
+                <a:ln>
+                  <a:noFill/>
+                </a:ln>
+                <a:solidFill>
+                  <a:schemeClr val="accent5">
+                    <a:lumMod val="50000"/>
+                  </a:schemeClr>
+                </a:solidFill>
+                <a:effectLst/>
+                <a:uLnTx/>
+                <a:uFillTx/>
+                <a:latin typeface="Raleway"/>
+                <a:ea typeface="+mn-ea"/>
+                <a:cs typeface="+mn-cs"/>
+              </a:endParaRPr>
+            </a:p>
+          </p:txBody>
+        </p:sp>
+      </p:grpSp>
+    </p:spTree>
+    <p:extLst>
+      <p:ext uri="{BB962C8B-B14F-4D97-AF65-F5344CB8AC3E}">
+        <p14:creationId xmlns:p14="http://schemas.microsoft.com/office/powerpoint/2010/main" val="786085814"/>
+      </p:ext>
+    </p:extLst>
+  </p:cSld>
+  <p:clrMapOvr>
+    <a:masterClrMapping/>
+  </p:clrMapOvr>
+</p:sld>
+</file>
+
 <file path=ppt/theme/theme1.xml><?xml version="1.0" encoding="utf-8"?>
 <a:theme xmlns:a="http://schemas.openxmlformats.org/drawingml/2006/main" name="Office Theme">
   <a:themeElements>
-    <a:clrScheme name="Office">
+    <a:clrScheme name="Red Violet">
       <a:dk1>
         <a:sysClr val="windowText" lastClr="000000"/>
       </a:dk1>
@@ -4521,34 +6188,34 @@
         <a:sysClr val="window" lastClr="FFFFFF"/>
       </a:lt1>
       <a:dk2>
-        <a:srgbClr val="44546A"/>
+        <a:srgbClr val="454551"/>
       </a:dk2>
       <a:lt2>
-        <a:srgbClr val="E7E6E6"/>
+        <a:srgbClr val="D8D9DC"/>
       </a:lt2>
       <a:accent1>
-        <a:srgbClr val="4472C4"/>
+        <a:srgbClr val="E32D91"/>
       </a:accent1>
       <a:accent2>
-        <a:srgbClr val="ED7D31"/>
+        <a:srgbClr val="C830CC"/>
       </a:accent2>
       <a:accent3>
-        <a:srgbClr val="A5A5A5"/>
+        <a:srgbClr val="4EA6DC"/>
       </a:accent3>
       <a:accent4>
-        <a:srgbClr val="FFC000"/>
+        <a:srgbClr val="4775E7"/>
       </a:accent4>
       <a:accent5>
-        <a:srgbClr val="5B9BD5"/>
+        <a:srgbClr val="8971E1"/>
       </a:accent5>
       <a:accent6>
-        <a:srgbClr val="70AD47"/>
+        <a:srgbClr val="D54773"/>
       </a:accent6>
       <a:hlink>
-        <a:srgbClr val="0563C1"/>
+        <a:srgbClr val="6B9F25"/>
       </a:hlink>
       <a:folHlink>
-        <a:srgbClr val="954F72"/>
+        <a:srgbClr val="8C8C8C"/>
       </a:folHlink>
     </a:clrScheme>
     <a:fontScheme name="Arial">

--- a/img/figures.pptx
+++ b/img/figures.pptx
@@ -6,7 +6,8 @@
   </p:sldMasterIdLst>
   <p:sldIdLst>
     <p:sldId id="256" r:id="rId2"/>
-    <p:sldId id="258" r:id="rId3"/>
+    <p:sldId id="259" r:id="rId3"/>
+    <p:sldId id="258" r:id="rId4"/>
   </p:sldIdLst>
   <p:sldSz cx="12192000" cy="6858000"/>
   <p:notesSz cx="6858000" cy="9144000"/>
@@ -105,6 +106,11 @@
       </a:defRPr>
     </a:lvl9pPr>
   </p:defaultTextStyle>
+  <p:extLst>
+    <p:ext uri="{EFAFB233-063F-42B5-8137-9DF3F51BA10A}">
+      <p15:sldGuideLst xmlns:p15="http://schemas.microsoft.com/office/powerpoint/2012/main"/>
+    </p:ext>
+  </p:extLst>
 </p:presentation>
 </file>
 
@@ -255,7 +261,7 @@
           <a:p>
             <a:fld id="{F4B58E5A-F2F6-2147-A8C9-FF847BE28FD4}" type="datetimeFigureOut">
               <a:rPr lang="en-US" smtClean="0"/>
-              <a:t>10/26/20</a:t>
+              <a:t>10/29/2020</a:t>
             </a:fld>
             <a:endParaRPr lang="en-US"/>
           </a:p>
@@ -453,7 +459,7 @@
           <a:p>
             <a:fld id="{F4B58E5A-F2F6-2147-A8C9-FF847BE28FD4}" type="datetimeFigureOut">
               <a:rPr lang="en-US" smtClean="0"/>
-              <a:t>10/26/20</a:t>
+              <a:t>10/29/2020</a:t>
             </a:fld>
             <a:endParaRPr lang="en-US"/>
           </a:p>
@@ -661,7 +667,7 @@
           <a:p>
             <a:fld id="{F4B58E5A-F2F6-2147-A8C9-FF847BE28FD4}" type="datetimeFigureOut">
               <a:rPr lang="en-US" smtClean="0"/>
-              <a:t>10/26/20</a:t>
+              <a:t>10/29/2020</a:t>
             </a:fld>
             <a:endParaRPr lang="en-US"/>
           </a:p>
@@ -859,7 +865,7 @@
           <a:p>
             <a:fld id="{F4B58E5A-F2F6-2147-A8C9-FF847BE28FD4}" type="datetimeFigureOut">
               <a:rPr lang="en-US" smtClean="0"/>
-              <a:t>10/26/20</a:t>
+              <a:t>10/29/2020</a:t>
             </a:fld>
             <a:endParaRPr lang="en-US"/>
           </a:p>
@@ -1134,7 +1140,7 @@
           <a:p>
             <a:fld id="{F4B58E5A-F2F6-2147-A8C9-FF847BE28FD4}" type="datetimeFigureOut">
               <a:rPr lang="en-US" smtClean="0"/>
-              <a:t>10/26/20</a:t>
+              <a:t>10/29/2020</a:t>
             </a:fld>
             <a:endParaRPr lang="en-US"/>
           </a:p>
@@ -1399,7 +1405,7 @@
           <a:p>
             <a:fld id="{F4B58E5A-F2F6-2147-A8C9-FF847BE28FD4}" type="datetimeFigureOut">
               <a:rPr lang="en-US" smtClean="0"/>
-              <a:t>10/26/20</a:t>
+              <a:t>10/29/2020</a:t>
             </a:fld>
             <a:endParaRPr lang="en-US"/>
           </a:p>
@@ -1811,7 +1817,7 @@
           <a:p>
             <a:fld id="{F4B58E5A-F2F6-2147-A8C9-FF847BE28FD4}" type="datetimeFigureOut">
               <a:rPr lang="en-US" smtClean="0"/>
-              <a:t>10/26/20</a:t>
+              <a:t>10/29/2020</a:t>
             </a:fld>
             <a:endParaRPr lang="en-US"/>
           </a:p>
@@ -1952,7 +1958,7 @@
           <a:p>
             <a:fld id="{F4B58E5A-F2F6-2147-A8C9-FF847BE28FD4}" type="datetimeFigureOut">
               <a:rPr lang="en-US" smtClean="0"/>
-              <a:t>10/26/20</a:t>
+              <a:t>10/29/2020</a:t>
             </a:fld>
             <a:endParaRPr lang="en-US"/>
           </a:p>
@@ -2065,7 +2071,7 @@
           <a:p>
             <a:fld id="{F4B58E5A-F2F6-2147-A8C9-FF847BE28FD4}" type="datetimeFigureOut">
               <a:rPr lang="en-US" smtClean="0"/>
-              <a:t>10/26/20</a:t>
+              <a:t>10/29/2020</a:t>
             </a:fld>
             <a:endParaRPr lang="en-US"/>
           </a:p>
@@ -2376,7 +2382,7 @@
           <a:p>
             <a:fld id="{F4B58E5A-F2F6-2147-A8C9-FF847BE28FD4}" type="datetimeFigureOut">
               <a:rPr lang="en-US" smtClean="0"/>
-              <a:t>10/26/20</a:t>
+              <a:t>10/29/2020</a:t>
             </a:fld>
             <a:endParaRPr lang="en-US"/>
           </a:p>
@@ -2664,7 +2670,7 @@
           <a:p>
             <a:fld id="{F4B58E5A-F2F6-2147-A8C9-FF847BE28FD4}" type="datetimeFigureOut">
               <a:rPr lang="en-US" smtClean="0"/>
-              <a:t>10/26/20</a:t>
+              <a:t>10/29/2020</a:t>
             </a:fld>
             <a:endParaRPr lang="en-US"/>
           </a:p>
@@ -2905,7 +2911,7 @@
           <a:p>
             <a:fld id="{F4B58E5A-F2F6-2147-A8C9-FF847BE28FD4}" type="datetimeFigureOut">
               <a:rPr lang="en-US" smtClean="0"/>
-              <a:t>10/26/20</a:t>
+              <a:t>10/29/2020</a:t>
             </a:fld>
             <a:endParaRPr lang="en-US"/>
           </a:p>
@@ -4512,6 +4518,1212 @@
 </file>
 
 <file path=ppt/slides/slide2.xml><?xml version="1.0" encoding="utf-8"?>
+<p:sld xmlns:a="http://schemas.openxmlformats.org/drawingml/2006/main" xmlns:r="http://schemas.openxmlformats.org/officeDocument/2006/relationships" xmlns:p="http://schemas.openxmlformats.org/presentationml/2006/main">
+  <p:cSld>
+    <p:spTree>
+      <p:nvGrpSpPr>
+        <p:cNvPr id="1" name=""/>
+        <p:cNvGrpSpPr/>
+        <p:nvPr/>
+      </p:nvGrpSpPr>
+      <p:grpSpPr>
+        <a:xfrm>
+          <a:off x="0" y="0"/>
+          <a:ext cx="0" cy="0"/>
+          <a:chOff x="0" y="0"/>
+          <a:chExt cx="0" cy="0"/>
+        </a:xfrm>
+      </p:grpSpPr>
+      <p:graphicFrame>
+        <p:nvGraphicFramePr>
+          <p:cNvPr id="4" name="Table 4">
+            <a:extLst>
+              <a:ext uri="{FF2B5EF4-FFF2-40B4-BE49-F238E27FC236}">
+                <a16:creationId xmlns:a16="http://schemas.microsoft.com/office/drawing/2014/main" id="{C87DC3EC-6A28-384F-BB11-C8EACAC348C0}"/>
+              </a:ext>
+            </a:extLst>
+          </p:cNvPr>
+          <p:cNvGraphicFramePr>
+            <a:graphicFrameLocks noGrp="1"/>
+          </p:cNvGraphicFramePr>
+          <p:nvPr>
+            <p:extLst>
+              <p:ext uri="{D42A27DB-BD31-4B8C-83A1-F6EECF244321}">
+                <p14:modId xmlns:p14="http://schemas.microsoft.com/office/powerpoint/2010/main" val="3158633991"/>
+              </p:ext>
+            </p:extLst>
+          </p:nvPr>
+        </p:nvGraphicFramePr>
+        <p:xfrm>
+          <a:off x="500430" y="2080713"/>
+          <a:ext cx="3831907" cy="1854200"/>
+        </p:xfrm>
+        <a:graphic>
+          <a:graphicData uri="http://schemas.openxmlformats.org/drawingml/2006/table">
+            <a:tbl>
+              <a:tblPr firstRow="1" firstCol="1">
+                <a:tableStyleId>{073A0DAA-6AF3-43AB-8588-CEC1D06C72B9}</a:tableStyleId>
+              </a:tblPr>
+              <a:tblGrid>
+                <a:gridCol w="1236980">
+                  <a:extLst>
+                    <a:ext uri="{9D8B030D-6E8A-4147-A177-3AD203B41FA5}">
+                      <a16:colId xmlns:a16="http://schemas.microsoft.com/office/drawing/2014/main" val="1262144608"/>
+                    </a:ext>
+                  </a:extLst>
+                </a:gridCol>
+                <a:gridCol w="870267">
+                  <a:extLst>
+                    <a:ext uri="{9D8B030D-6E8A-4147-A177-3AD203B41FA5}">
+                      <a16:colId xmlns:a16="http://schemas.microsoft.com/office/drawing/2014/main" val="2309949787"/>
+                    </a:ext>
+                  </a:extLst>
+                </a:gridCol>
+                <a:gridCol w="868680">
+                  <a:extLst>
+                    <a:ext uri="{9D8B030D-6E8A-4147-A177-3AD203B41FA5}">
+                      <a16:colId xmlns:a16="http://schemas.microsoft.com/office/drawing/2014/main" val="3090129759"/>
+                    </a:ext>
+                  </a:extLst>
+                </a:gridCol>
+                <a:gridCol w="855980">
+                  <a:extLst>
+                    <a:ext uri="{9D8B030D-6E8A-4147-A177-3AD203B41FA5}">
+                      <a16:colId xmlns:a16="http://schemas.microsoft.com/office/drawing/2014/main" val="1269411040"/>
+                    </a:ext>
+                  </a:extLst>
+                </a:gridCol>
+              </a:tblGrid>
+              <a:tr h="370840">
+                <a:tc>
+                  <a:txBody>
+                    <a:bodyPr/>
+                    <a:lstStyle/>
+                    <a:p>
+                      <a:pPr algn="ctr"/>
+                      <a:endParaRPr lang="en-US" dirty="0"/>
+                    </a:p>
+                  </a:txBody>
+                  <a:tcPr anchor="ctr">
+                    <a:lnL w="38100" cap="flat" cmpd="sng" algn="ctr">
+                      <a:solidFill>
+                        <a:schemeClr val="tx1"/>
+                      </a:solidFill>
+                      <a:prstDash val="solid"/>
+                      <a:round/>
+                      <a:headEnd type="none" w="med" len="med"/>
+                      <a:tailEnd type="none" w="med" len="med"/>
+                    </a:lnL>
+                    <a:lnT w="38100" cap="flat" cmpd="sng" algn="ctr">
+                      <a:solidFill>
+                        <a:schemeClr val="tx1"/>
+                      </a:solidFill>
+                      <a:prstDash val="solid"/>
+                      <a:round/>
+                      <a:headEnd type="none" w="med" len="med"/>
+                      <a:tailEnd type="none" w="med" len="med"/>
+                    </a:lnT>
+                  </a:tcPr>
+                </a:tc>
+                <a:tc>
+                  <a:txBody>
+                    <a:bodyPr/>
+                    <a:lstStyle/>
+                    <a:p>
+                      <a:pPr algn="ctr"/>
+                      <a:r>
+                        <a:rPr lang="en-US" dirty="0"/>
+                        <a:t>Cell α</a:t>
+                      </a:r>
+                    </a:p>
+                  </a:txBody>
+                  <a:tcPr anchor="ctr">
+                    <a:lnT w="38100" cap="flat" cmpd="sng" algn="ctr">
+                      <a:solidFill>
+                        <a:schemeClr val="tx1"/>
+                      </a:solidFill>
+                      <a:prstDash val="solid"/>
+                      <a:round/>
+                      <a:headEnd type="none" w="med" len="med"/>
+                      <a:tailEnd type="none" w="med" len="med"/>
+                    </a:lnT>
+                  </a:tcPr>
+                </a:tc>
+                <a:tc>
+                  <a:txBody>
+                    <a:bodyPr/>
+                    <a:lstStyle/>
+                    <a:p>
+                      <a:pPr algn="ctr"/>
+                      <a:r>
+                        <a:rPr lang="en-US" dirty="0"/>
+                        <a:t>Cell β</a:t>
+                      </a:r>
+                    </a:p>
+                  </a:txBody>
+                  <a:tcPr anchor="ctr">
+                    <a:lnT w="38100" cap="flat" cmpd="sng" algn="ctr">
+                      <a:solidFill>
+                        <a:schemeClr val="tx1"/>
+                      </a:solidFill>
+                      <a:prstDash val="solid"/>
+                      <a:round/>
+                      <a:headEnd type="none" w="med" len="med"/>
+                      <a:tailEnd type="none" w="med" len="med"/>
+                    </a:lnT>
+                  </a:tcPr>
+                </a:tc>
+                <a:tc>
+                  <a:txBody>
+                    <a:bodyPr/>
+                    <a:lstStyle/>
+                    <a:p>
+                      <a:pPr algn="ctr"/>
+                      <a:r>
+                        <a:rPr lang="en-US" dirty="0"/>
+                        <a:t>Cell </a:t>
+                      </a:r>
+                      <a:r>
+                        <a:rPr lang="en-US" dirty="0" err="1"/>
+                        <a:t>ɣ</a:t>
+                      </a:r>
+                      <a:endParaRPr lang="en-US" dirty="0"/>
+                    </a:p>
+                  </a:txBody>
+                  <a:tcPr anchor="ctr">
+                    <a:lnR w="38100" cap="flat" cmpd="sng" algn="ctr">
+                      <a:solidFill>
+                        <a:schemeClr val="tx1"/>
+                      </a:solidFill>
+                      <a:prstDash val="solid"/>
+                      <a:round/>
+                      <a:headEnd type="none" w="med" len="med"/>
+                      <a:tailEnd type="none" w="med" len="med"/>
+                    </a:lnR>
+                    <a:lnT w="38100" cap="flat" cmpd="sng" algn="ctr">
+                      <a:solidFill>
+                        <a:schemeClr val="tx1"/>
+                      </a:solidFill>
+                      <a:prstDash val="solid"/>
+                      <a:round/>
+                      <a:headEnd type="none" w="med" len="med"/>
+                      <a:tailEnd type="none" w="med" len="med"/>
+                    </a:lnT>
+                  </a:tcPr>
+                </a:tc>
+                <a:extLst>
+                  <a:ext uri="{0D108BD9-81ED-4DB2-BD59-A6C34878D82A}">
+                    <a16:rowId xmlns:a16="http://schemas.microsoft.com/office/drawing/2014/main" val="2202674274"/>
+                  </a:ext>
+                </a:extLst>
+              </a:tr>
+              <a:tr h="370840">
+                <a:tc>
+                  <a:txBody>
+                    <a:bodyPr/>
+                    <a:lstStyle/>
+                    <a:p>
+                      <a:pPr algn="ctr"/>
+                      <a:r>
+                        <a:rPr lang="en-US" dirty="0"/>
+                        <a:t>Gene A</a:t>
+                      </a:r>
+                    </a:p>
+                  </a:txBody>
+                  <a:tcPr anchor="ctr">
+                    <a:lnL w="38100" cap="flat" cmpd="sng" algn="ctr">
+                      <a:solidFill>
+                        <a:schemeClr val="tx1"/>
+                      </a:solidFill>
+                      <a:prstDash val="solid"/>
+                      <a:round/>
+                      <a:headEnd type="none" w="med" len="med"/>
+                      <a:tailEnd type="none" w="med" len="med"/>
+                    </a:lnL>
+                  </a:tcPr>
+                </a:tc>
+                <a:tc>
+                  <a:txBody>
+                    <a:bodyPr/>
+                    <a:lstStyle/>
+                    <a:p>
+                      <a:pPr algn="ctr"/>
+                      <a:endParaRPr lang="en-US" dirty="0"/>
+                    </a:p>
+                  </a:txBody>
+                  <a:tcPr anchor="ctr">
+                    <a:solidFill>
+                      <a:schemeClr val="bg2">
+                        <a:lumMod val="50000"/>
+                      </a:schemeClr>
+                    </a:solidFill>
+                  </a:tcPr>
+                </a:tc>
+                <a:tc>
+                  <a:txBody>
+                    <a:bodyPr/>
+                    <a:lstStyle/>
+                    <a:p>
+                      <a:pPr algn="ctr"/>
+                      <a:endParaRPr lang="en-US" dirty="0"/>
+                    </a:p>
+                  </a:txBody>
+                  <a:tcPr anchor="ctr">
+                    <a:solidFill>
+                      <a:schemeClr val="bg1">
+                        <a:lumMod val="85000"/>
+                      </a:schemeClr>
+                    </a:solidFill>
+                  </a:tcPr>
+                </a:tc>
+                <a:tc>
+                  <a:txBody>
+                    <a:bodyPr/>
+                    <a:lstStyle/>
+                    <a:p>
+                      <a:pPr algn="ctr"/>
+                      <a:endParaRPr lang="en-US" dirty="0"/>
+                    </a:p>
+                  </a:txBody>
+                  <a:tcPr anchor="ctr">
+                    <a:lnR w="38100" cap="flat" cmpd="sng" algn="ctr">
+                      <a:solidFill>
+                        <a:schemeClr val="tx1"/>
+                      </a:solidFill>
+                      <a:prstDash val="solid"/>
+                      <a:round/>
+                      <a:headEnd type="none" w="med" len="med"/>
+                      <a:tailEnd type="none" w="med" len="med"/>
+                    </a:lnR>
+                    <a:solidFill>
+                      <a:schemeClr val="bg2">
+                        <a:lumMod val="50000"/>
+                      </a:schemeClr>
+                    </a:solidFill>
+                  </a:tcPr>
+                </a:tc>
+                <a:extLst>
+                  <a:ext uri="{0D108BD9-81ED-4DB2-BD59-A6C34878D82A}">
+                    <a16:rowId xmlns:a16="http://schemas.microsoft.com/office/drawing/2014/main" val="1305994692"/>
+                  </a:ext>
+                </a:extLst>
+              </a:tr>
+              <a:tr h="370840">
+                <a:tc>
+                  <a:txBody>
+                    <a:bodyPr/>
+                    <a:lstStyle/>
+                    <a:p>
+                      <a:pPr algn="ctr"/>
+                      <a:r>
+                        <a:rPr lang="en-US" dirty="0"/>
+                        <a:t>Gene B</a:t>
+                      </a:r>
+                    </a:p>
+                  </a:txBody>
+                  <a:tcPr anchor="ctr">
+                    <a:lnL w="38100" cap="flat" cmpd="sng" algn="ctr">
+                      <a:solidFill>
+                        <a:schemeClr val="tx1"/>
+                      </a:solidFill>
+                      <a:prstDash val="solid"/>
+                      <a:round/>
+                      <a:headEnd type="none" w="med" len="med"/>
+                      <a:tailEnd type="none" w="med" len="med"/>
+                    </a:lnL>
+                  </a:tcPr>
+                </a:tc>
+                <a:tc>
+                  <a:txBody>
+                    <a:bodyPr/>
+                    <a:lstStyle/>
+                    <a:p>
+                      <a:pPr algn="ctr"/>
+                      <a:endParaRPr lang="en-US" dirty="0"/>
+                    </a:p>
+                  </a:txBody>
+                  <a:tcPr anchor="ctr">
+                    <a:solidFill>
+                      <a:schemeClr val="bg2">
+                        <a:lumMod val="50000"/>
+                      </a:schemeClr>
+                    </a:solidFill>
+                  </a:tcPr>
+                </a:tc>
+                <a:tc>
+                  <a:txBody>
+                    <a:bodyPr/>
+                    <a:lstStyle/>
+                    <a:p>
+                      <a:pPr algn="ctr"/>
+                      <a:endParaRPr lang="en-US" dirty="0"/>
+                    </a:p>
+                  </a:txBody>
+                  <a:tcPr anchor="ctr">
+                    <a:solidFill>
+                      <a:schemeClr val="bg1">
+                        <a:lumMod val="85000"/>
+                      </a:schemeClr>
+                    </a:solidFill>
+                  </a:tcPr>
+                </a:tc>
+                <a:tc>
+                  <a:txBody>
+                    <a:bodyPr/>
+                    <a:lstStyle/>
+                    <a:p>
+                      <a:pPr algn="ctr"/>
+                      <a:endParaRPr lang="en-US" dirty="0"/>
+                    </a:p>
+                  </a:txBody>
+                  <a:tcPr anchor="ctr">
+                    <a:lnR w="38100" cap="flat" cmpd="sng" algn="ctr">
+                      <a:solidFill>
+                        <a:schemeClr val="tx1"/>
+                      </a:solidFill>
+                      <a:prstDash val="solid"/>
+                      <a:round/>
+                      <a:headEnd type="none" w="med" len="med"/>
+                      <a:tailEnd type="none" w="med" len="med"/>
+                    </a:lnR>
+                    <a:solidFill>
+                      <a:schemeClr val="bg1">
+                        <a:lumMod val="85000"/>
+                      </a:schemeClr>
+                    </a:solidFill>
+                  </a:tcPr>
+                </a:tc>
+                <a:extLst>
+                  <a:ext uri="{0D108BD9-81ED-4DB2-BD59-A6C34878D82A}">
+                    <a16:rowId xmlns:a16="http://schemas.microsoft.com/office/drawing/2014/main" val="4193747024"/>
+                  </a:ext>
+                </a:extLst>
+              </a:tr>
+              <a:tr h="370840">
+                <a:tc>
+                  <a:txBody>
+                    <a:bodyPr/>
+                    <a:lstStyle/>
+                    <a:p>
+                      <a:pPr algn="ctr"/>
+                      <a:r>
+                        <a:rPr lang="en-US" dirty="0"/>
+                        <a:t>Gene C</a:t>
+                      </a:r>
+                    </a:p>
+                  </a:txBody>
+                  <a:tcPr anchor="ctr">
+                    <a:lnL w="38100" cap="flat" cmpd="sng" algn="ctr">
+                      <a:solidFill>
+                        <a:schemeClr val="tx1"/>
+                      </a:solidFill>
+                      <a:prstDash val="solid"/>
+                      <a:round/>
+                      <a:headEnd type="none" w="med" len="med"/>
+                      <a:tailEnd type="none" w="med" len="med"/>
+                    </a:lnL>
+                  </a:tcPr>
+                </a:tc>
+                <a:tc>
+                  <a:txBody>
+                    <a:bodyPr/>
+                    <a:lstStyle/>
+                    <a:p>
+                      <a:pPr algn="ctr"/>
+                      <a:endParaRPr lang="en-US" dirty="0"/>
+                    </a:p>
+                  </a:txBody>
+                  <a:tcPr anchor="ctr">
+                    <a:solidFill>
+                      <a:schemeClr val="bg1">
+                        <a:lumMod val="85000"/>
+                      </a:schemeClr>
+                    </a:solidFill>
+                  </a:tcPr>
+                </a:tc>
+                <a:tc>
+                  <a:txBody>
+                    <a:bodyPr/>
+                    <a:lstStyle/>
+                    <a:p>
+                      <a:pPr algn="ctr"/>
+                      <a:endParaRPr lang="en-US" dirty="0"/>
+                    </a:p>
+                  </a:txBody>
+                  <a:tcPr anchor="ctr">
+                    <a:solidFill>
+                      <a:schemeClr val="bg2">
+                        <a:lumMod val="50000"/>
+                      </a:schemeClr>
+                    </a:solidFill>
+                  </a:tcPr>
+                </a:tc>
+                <a:tc>
+                  <a:txBody>
+                    <a:bodyPr/>
+                    <a:lstStyle/>
+                    <a:p>
+                      <a:pPr algn="ctr"/>
+                      <a:endParaRPr lang="en-US" dirty="0"/>
+                    </a:p>
+                  </a:txBody>
+                  <a:tcPr anchor="ctr">
+                    <a:lnR w="38100" cap="flat" cmpd="sng" algn="ctr">
+                      <a:solidFill>
+                        <a:schemeClr val="tx1"/>
+                      </a:solidFill>
+                      <a:prstDash val="solid"/>
+                      <a:round/>
+                      <a:headEnd type="none" w="med" len="med"/>
+                      <a:tailEnd type="none" w="med" len="med"/>
+                    </a:lnR>
+                    <a:solidFill>
+                      <a:schemeClr val="bg2">
+                        <a:lumMod val="50000"/>
+                      </a:schemeClr>
+                    </a:solidFill>
+                  </a:tcPr>
+                </a:tc>
+                <a:extLst>
+                  <a:ext uri="{0D108BD9-81ED-4DB2-BD59-A6C34878D82A}">
+                    <a16:rowId xmlns:a16="http://schemas.microsoft.com/office/drawing/2014/main" val="111019458"/>
+                  </a:ext>
+                </a:extLst>
+              </a:tr>
+              <a:tr h="370840">
+                <a:tc>
+                  <a:txBody>
+                    <a:bodyPr/>
+                    <a:lstStyle/>
+                    <a:p>
+                      <a:pPr algn="ctr"/>
+                      <a:r>
+                        <a:rPr lang="en-US" dirty="0"/>
+                        <a:t>Gene D</a:t>
+                      </a:r>
+                    </a:p>
+                  </a:txBody>
+                  <a:tcPr anchor="ctr">
+                    <a:lnL w="38100" cap="flat" cmpd="sng" algn="ctr">
+                      <a:solidFill>
+                        <a:schemeClr val="tx1"/>
+                      </a:solidFill>
+                      <a:prstDash val="solid"/>
+                      <a:round/>
+                      <a:headEnd type="none" w="med" len="med"/>
+                      <a:tailEnd type="none" w="med" len="med"/>
+                    </a:lnL>
+                    <a:lnB w="38100" cap="flat" cmpd="sng" algn="ctr">
+                      <a:solidFill>
+                        <a:schemeClr val="tx1"/>
+                      </a:solidFill>
+                      <a:prstDash val="solid"/>
+                      <a:round/>
+                      <a:headEnd type="none" w="med" len="med"/>
+                      <a:tailEnd type="none" w="med" len="med"/>
+                    </a:lnB>
+                  </a:tcPr>
+                </a:tc>
+                <a:tc>
+                  <a:txBody>
+                    <a:bodyPr/>
+                    <a:lstStyle/>
+                    <a:p>
+                      <a:pPr algn="ctr"/>
+                      <a:endParaRPr lang="en-US" dirty="0"/>
+                    </a:p>
+                  </a:txBody>
+                  <a:tcPr anchor="ctr">
+                    <a:lnB w="38100" cap="flat" cmpd="sng" algn="ctr">
+                      <a:solidFill>
+                        <a:schemeClr val="tx1"/>
+                      </a:solidFill>
+                      <a:prstDash val="solid"/>
+                      <a:round/>
+                      <a:headEnd type="none" w="med" len="med"/>
+                      <a:tailEnd type="none" w="med" len="med"/>
+                    </a:lnB>
+                    <a:solidFill>
+                      <a:schemeClr val="bg2">
+                        <a:lumMod val="50000"/>
+                      </a:schemeClr>
+                    </a:solidFill>
+                  </a:tcPr>
+                </a:tc>
+                <a:tc>
+                  <a:txBody>
+                    <a:bodyPr/>
+                    <a:lstStyle/>
+                    <a:p>
+                      <a:pPr algn="ctr"/>
+                      <a:endParaRPr lang="en-US" dirty="0"/>
+                    </a:p>
+                  </a:txBody>
+                  <a:tcPr anchor="ctr">
+                    <a:lnB w="38100" cap="flat" cmpd="sng" algn="ctr">
+                      <a:solidFill>
+                        <a:schemeClr val="tx1"/>
+                      </a:solidFill>
+                      <a:prstDash val="solid"/>
+                      <a:round/>
+                      <a:headEnd type="none" w="med" len="med"/>
+                      <a:tailEnd type="none" w="med" len="med"/>
+                    </a:lnB>
+                    <a:solidFill>
+                      <a:schemeClr val="bg2">
+                        <a:lumMod val="50000"/>
+                      </a:schemeClr>
+                    </a:solidFill>
+                  </a:tcPr>
+                </a:tc>
+                <a:tc>
+                  <a:txBody>
+                    <a:bodyPr/>
+                    <a:lstStyle/>
+                    <a:p>
+                      <a:pPr algn="ctr"/>
+                      <a:endParaRPr lang="en-US" dirty="0"/>
+                    </a:p>
+                  </a:txBody>
+                  <a:tcPr anchor="ctr">
+                    <a:lnR w="38100" cap="flat" cmpd="sng" algn="ctr">
+                      <a:solidFill>
+                        <a:schemeClr val="tx1"/>
+                      </a:solidFill>
+                      <a:prstDash val="solid"/>
+                      <a:round/>
+                      <a:headEnd type="none" w="med" len="med"/>
+                      <a:tailEnd type="none" w="med" len="med"/>
+                    </a:lnR>
+                    <a:lnB w="38100" cap="flat" cmpd="sng" algn="ctr">
+                      <a:solidFill>
+                        <a:schemeClr val="tx1"/>
+                      </a:solidFill>
+                      <a:prstDash val="solid"/>
+                      <a:round/>
+                      <a:headEnd type="none" w="med" len="med"/>
+                      <a:tailEnd type="none" w="med" len="med"/>
+                    </a:lnB>
+                    <a:solidFill>
+                      <a:schemeClr val="bg1">
+                        <a:lumMod val="85000"/>
+                      </a:schemeClr>
+                    </a:solidFill>
+                  </a:tcPr>
+                </a:tc>
+                <a:extLst>
+                  <a:ext uri="{0D108BD9-81ED-4DB2-BD59-A6C34878D82A}">
+                    <a16:rowId xmlns:a16="http://schemas.microsoft.com/office/drawing/2014/main" val="3897185920"/>
+                  </a:ext>
+                </a:extLst>
+              </a:tr>
+            </a:tbl>
+          </a:graphicData>
+        </a:graphic>
+      </p:graphicFrame>
+      <p:sp>
+        <p:nvSpPr>
+          <p:cNvPr id="5" name="Rectangle 4">
+            <a:extLst>
+              <a:ext uri="{FF2B5EF4-FFF2-40B4-BE49-F238E27FC236}">
+                <a16:creationId xmlns:a16="http://schemas.microsoft.com/office/drawing/2014/main" id="{2797E0AA-EE6E-B641-AC45-6F65F523BBE9}"/>
+              </a:ext>
+            </a:extLst>
+          </p:cNvPr>
+          <p:cNvSpPr/>
+          <p:nvPr/>
+        </p:nvSpPr>
+        <p:spPr>
+          <a:xfrm>
+            <a:off x="4639221" y="3177292"/>
+            <a:ext cx="3338430" cy="757621"/>
+          </a:xfrm>
+          <a:prstGeom prst="rect">
+            <a:avLst/>
+          </a:prstGeom>
+          <a:solidFill>
+            <a:schemeClr val="bg1"/>
+          </a:solidFill>
+          <a:ln w="38100">
+            <a:solidFill>
+              <a:schemeClr val="tx1"/>
+            </a:solidFill>
+          </a:ln>
+        </p:spPr>
+        <p:style>
+          <a:lnRef idx="2">
+            <a:schemeClr val="dk1">
+              <a:shade val="50000"/>
+            </a:schemeClr>
+          </a:lnRef>
+          <a:fillRef idx="1">
+            <a:schemeClr val="dk1"/>
+          </a:fillRef>
+          <a:effectRef idx="0">
+            <a:schemeClr val="dk1"/>
+          </a:effectRef>
+          <a:fontRef idx="minor">
+            <a:schemeClr val="lt1"/>
+          </a:fontRef>
+        </p:style>
+        <p:txBody>
+          <a:bodyPr rtlCol="0" anchor="ctr"/>
+          <a:lstStyle/>
+          <a:p>
+            <a:pPr algn="ctr"/>
+            <a:r>
+              <a:rPr lang="en-US" dirty="0">
+                <a:solidFill>
+                  <a:sysClr val="windowText" lastClr="000000"/>
+                </a:solidFill>
+              </a:rPr>
+              <a:t>Determine gene(s) that do not occur in desired cell type(s) </a:t>
+            </a:r>
+          </a:p>
+        </p:txBody>
+      </p:sp>
+      <p:sp>
+        <p:nvSpPr>
+          <p:cNvPr id="6" name="Rectangle 5">
+            <a:extLst>
+              <a:ext uri="{FF2B5EF4-FFF2-40B4-BE49-F238E27FC236}">
+                <a16:creationId xmlns:a16="http://schemas.microsoft.com/office/drawing/2014/main" id="{B7B7E175-C84F-F044-895C-CA0B72F0B025}"/>
+              </a:ext>
+            </a:extLst>
+          </p:cNvPr>
+          <p:cNvSpPr/>
+          <p:nvPr/>
+        </p:nvSpPr>
+        <p:spPr>
+          <a:xfrm>
+            <a:off x="4639221" y="2080713"/>
+            <a:ext cx="3338430" cy="757621"/>
+          </a:xfrm>
+          <a:prstGeom prst="rect">
+            <a:avLst/>
+          </a:prstGeom>
+          <a:solidFill>
+            <a:schemeClr val="bg1"/>
+          </a:solidFill>
+          <a:ln w="38100">
+            <a:solidFill>
+              <a:schemeClr val="tx1"/>
+            </a:solidFill>
+          </a:ln>
+        </p:spPr>
+        <p:style>
+          <a:lnRef idx="2">
+            <a:schemeClr val="dk1">
+              <a:shade val="50000"/>
+            </a:schemeClr>
+          </a:lnRef>
+          <a:fillRef idx="1">
+            <a:schemeClr val="dk1"/>
+          </a:fillRef>
+          <a:effectRef idx="0">
+            <a:schemeClr val="dk1"/>
+          </a:effectRef>
+          <a:fontRef idx="minor">
+            <a:schemeClr val="lt1"/>
+          </a:fontRef>
+        </p:style>
+        <p:txBody>
+          <a:bodyPr rtlCol="0" anchor="ctr"/>
+          <a:lstStyle/>
+          <a:p>
+            <a:pPr algn="ctr"/>
+            <a:r>
+              <a:rPr lang="en-US" dirty="0">
+                <a:solidFill>
+                  <a:sysClr val="windowText" lastClr="000000"/>
+                </a:solidFill>
+              </a:rPr>
+              <a:t>Select desired cell type(s) </a:t>
+            </a:r>
+          </a:p>
+        </p:txBody>
+      </p:sp>
+      <p:cxnSp>
+        <p:nvCxnSpPr>
+          <p:cNvPr id="8" name="Elbow Connector 7">
+            <a:extLst>
+              <a:ext uri="{FF2B5EF4-FFF2-40B4-BE49-F238E27FC236}">
+                <a16:creationId xmlns:a16="http://schemas.microsoft.com/office/drawing/2014/main" id="{6923DFF7-C481-0540-9201-95CBB8C12738}"/>
+              </a:ext>
+            </a:extLst>
+          </p:cNvPr>
+          <p:cNvCxnSpPr>
+            <a:cxnSpLocks/>
+            <a:stCxn id="4" idx="3"/>
+            <a:endCxn id="6" idx="1"/>
+          </p:cNvCxnSpPr>
+          <p:nvPr/>
+        </p:nvCxnSpPr>
+        <p:spPr>
+          <a:xfrm flipV="1">
+            <a:off x="4332337" y="2459524"/>
+            <a:ext cx="306884" cy="548289"/>
+          </a:xfrm>
+          <a:prstGeom prst="bentConnector3">
+            <a:avLst/>
+          </a:prstGeom>
+          <a:ln w="38100">
+            <a:solidFill>
+              <a:schemeClr val="tx1"/>
+            </a:solidFill>
+            <a:tailEnd type="triangle"/>
+          </a:ln>
+        </p:spPr>
+        <p:style>
+          <a:lnRef idx="1">
+            <a:schemeClr val="accent1"/>
+          </a:lnRef>
+          <a:fillRef idx="0">
+            <a:schemeClr val="accent1"/>
+          </a:fillRef>
+          <a:effectRef idx="0">
+            <a:schemeClr val="accent1"/>
+          </a:effectRef>
+          <a:fontRef idx="minor">
+            <a:schemeClr val="tx1"/>
+          </a:fontRef>
+        </p:style>
+      </p:cxnSp>
+      <p:cxnSp>
+        <p:nvCxnSpPr>
+          <p:cNvPr id="14" name="Straight Arrow Connector 13">
+            <a:extLst>
+              <a:ext uri="{FF2B5EF4-FFF2-40B4-BE49-F238E27FC236}">
+                <a16:creationId xmlns:a16="http://schemas.microsoft.com/office/drawing/2014/main" id="{DA266E41-3F61-B84B-81AB-04024F5BFBA7}"/>
+              </a:ext>
+            </a:extLst>
+          </p:cNvPr>
+          <p:cNvCxnSpPr>
+            <a:stCxn id="6" idx="2"/>
+            <a:endCxn id="5" idx="0"/>
+          </p:cNvCxnSpPr>
+          <p:nvPr/>
+        </p:nvCxnSpPr>
+        <p:spPr>
+          <a:xfrm>
+            <a:off x="6308436" y="2838334"/>
+            <a:ext cx="0" cy="338958"/>
+          </a:xfrm>
+          <a:prstGeom prst="straightConnector1">
+            <a:avLst/>
+          </a:prstGeom>
+          <a:ln w="38100">
+            <a:solidFill>
+              <a:schemeClr val="tx1"/>
+            </a:solidFill>
+            <a:tailEnd type="triangle"/>
+          </a:ln>
+        </p:spPr>
+        <p:style>
+          <a:lnRef idx="1">
+            <a:schemeClr val="accent1"/>
+          </a:lnRef>
+          <a:fillRef idx="0">
+            <a:schemeClr val="accent1"/>
+          </a:fillRef>
+          <a:effectRef idx="0">
+            <a:schemeClr val="accent1"/>
+          </a:effectRef>
+          <a:fontRef idx="minor">
+            <a:schemeClr val="tx1"/>
+          </a:fontRef>
+        </p:style>
+      </p:cxnSp>
+      <p:sp>
+        <p:nvSpPr>
+          <p:cNvPr id="21" name="Folded Corner 20">
+            <a:extLst>
+              <a:ext uri="{FF2B5EF4-FFF2-40B4-BE49-F238E27FC236}">
+                <a16:creationId xmlns:a16="http://schemas.microsoft.com/office/drawing/2014/main" id="{A7063D4C-A2A1-C34D-AC57-E11D165F9BDE}"/>
+              </a:ext>
+            </a:extLst>
+          </p:cNvPr>
+          <p:cNvSpPr/>
+          <p:nvPr/>
+        </p:nvSpPr>
+        <p:spPr>
+          <a:xfrm>
+            <a:off x="8289156" y="1447702"/>
+            <a:ext cx="914400" cy="1011822"/>
+          </a:xfrm>
+          <a:prstGeom prst="foldedCorner">
+            <a:avLst/>
+          </a:prstGeom>
+          <a:solidFill>
+            <a:schemeClr val="bg1"/>
+          </a:solidFill>
+          <a:ln w="38100">
+            <a:solidFill>
+              <a:schemeClr val="tx1"/>
+            </a:solidFill>
+          </a:ln>
+        </p:spPr>
+        <p:style>
+          <a:lnRef idx="2">
+            <a:schemeClr val="accent1">
+              <a:shade val="50000"/>
+            </a:schemeClr>
+          </a:lnRef>
+          <a:fillRef idx="1">
+            <a:schemeClr val="accent1"/>
+          </a:fillRef>
+          <a:effectRef idx="0">
+            <a:schemeClr val="accent1"/>
+          </a:effectRef>
+          <a:fontRef idx="minor">
+            <a:schemeClr val="lt1"/>
+          </a:fontRef>
+        </p:style>
+        <p:txBody>
+          <a:bodyPr rtlCol="0" anchor="ctr"/>
+          <a:lstStyle/>
+          <a:p>
+            <a:pPr algn="ctr"/>
+            <a:r>
+              <a:rPr lang="en-US" dirty="0">
+                <a:solidFill>
+                  <a:sysClr val="windowText" lastClr="000000"/>
+                </a:solidFill>
+              </a:rPr>
+              <a:t>.</a:t>
+            </a:r>
+            <a:r>
+              <a:rPr lang="en-US" dirty="0" err="1">
+                <a:solidFill>
+                  <a:sysClr val="windowText" lastClr="000000"/>
+                </a:solidFill>
+              </a:rPr>
+              <a:t>fastq</a:t>
+            </a:r>
+            <a:endParaRPr lang="en-US" dirty="0">
+              <a:solidFill>
+                <a:sysClr val="windowText" lastClr="000000"/>
+              </a:solidFill>
+            </a:endParaRPr>
+          </a:p>
+        </p:txBody>
+      </p:sp>
+      <p:sp>
+        <p:nvSpPr>
+          <p:cNvPr id="22" name="Rectangle 21">
+            <a:extLst>
+              <a:ext uri="{FF2B5EF4-FFF2-40B4-BE49-F238E27FC236}">
+                <a16:creationId xmlns:a16="http://schemas.microsoft.com/office/drawing/2014/main" id="{7DFD506F-3877-0F43-A106-F20D578B8460}"/>
+              </a:ext>
+            </a:extLst>
+          </p:cNvPr>
+          <p:cNvSpPr/>
+          <p:nvPr/>
+        </p:nvSpPr>
+        <p:spPr>
+          <a:xfrm>
+            <a:off x="8282226" y="2629002"/>
+            <a:ext cx="3343048" cy="757621"/>
+          </a:xfrm>
+          <a:prstGeom prst="rect">
+            <a:avLst/>
+          </a:prstGeom>
+          <a:solidFill>
+            <a:schemeClr val="bg1"/>
+          </a:solidFill>
+          <a:ln w="38100">
+            <a:solidFill>
+              <a:schemeClr val="tx1"/>
+            </a:solidFill>
+          </a:ln>
+        </p:spPr>
+        <p:style>
+          <a:lnRef idx="2">
+            <a:schemeClr val="dk1">
+              <a:shade val="50000"/>
+            </a:schemeClr>
+          </a:lnRef>
+          <a:fillRef idx="1">
+            <a:schemeClr val="dk1"/>
+          </a:fillRef>
+          <a:effectRef idx="0">
+            <a:schemeClr val="dk1"/>
+          </a:effectRef>
+          <a:fontRef idx="minor">
+            <a:schemeClr val="lt1"/>
+          </a:fontRef>
+        </p:style>
+        <p:txBody>
+          <a:bodyPr rtlCol="0" anchor="ctr"/>
+          <a:lstStyle/>
+          <a:p>
+            <a:pPr algn="ctr"/>
+            <a:r>
+              <a:rPr lang="en-US" dirty="0">
+                <a:solidFill>
+                  <a:sysClr val="windowText" lastClr="000000"/>
+                </a:solidFill>
+              </a:rPr>
+              <a:t>Filter out reads that match the gene(s) using local alignment</a:t>
+            </a:r>
+          </a:p>
+        </p:txBody>
+      </p:sp>
+      <p:cxnSp>
+        <p:nvCxnSpPr>
+          <p:cNvPr id="23" name="Elbow Connector 22">
+            <a:extLst>
+              <a:ext uri="{FF2B5EF4-FFF2-40B4-BE49-F238E27FC236}">
+                <a16:creationId xmlns:a16="http://schemas.microsoft.com/office/drawing/2014/main" id="{C3E222C6-9307-344A-A70A-677BD08E78A5}"/>
+              </a:ext>
+            </a:extLst>
+          </p:cNvPr>
+          <p:cNvCxnSpPr>
+            <a:cxnSpLocks/>
+            <a:stCxn id="21" idx="3"/>
+            <a:endCxn id="22" idx="0"/>
+          </p:cNvCxnSpPr>
+          <p:nvPr/>
+        </p:nvCxnSpPr>
+        <p:spPr>
+          <a:xfrm>
+            <a:off x="9203556" y="1953613"/>
+            <a:ext cx="750194" cy="675389"/>
+          </a:xfrm>
+          <a:prstGeom prst="bentConnector2">
+            <a:avLst/>
+          </a:prstGeom>
+          <a:ln w="38100">
+            <a:solidFill>
+              <a:schemeClr val="tx1"/>
+            </a:solidFill>
+            <a:tailEnd type="triangle"/>
+          </a:ln>
+        </p:spPr>
+        <p:style>
+          <a:lnRef idx="1">
+            <a:schemeClr val="accent1"/>
+          </a:lnRef>
+          <a:fillRef idx="0">
+            <a:schemeClr val="accent1"/>
+          </a:fillRef>
+          <a:effectRef idx="0">
+            <a:schemeClr val="accent1"/>
+          </a:effectRef>
+          <a:fontRef idx="minor">
+            <a:schemeClr val="tx1"/>
+          </a:fontRef>
+        </p:style>
+      </p:cxnSp>
+      <p:sp>
+        <p:nvSpPr>
+          <p:cNvPr id="42" name="Folded Corner 41">
+            <a:extLst>
+              <a:ext uri="{FF2B5EF4-FFF2-40B4-BE49-F238E27FC236}">
+                <a16:creationId xmlns:a16="http://schemas.microsoft.com/office/drawing/2014/main" id="{A1996437-4A6D-5E46-B23F-031EEEBB5BF2}"/>
+              </a:ext>
+            </a:extLst>
+          </p:cNvPr>
+          <p:cNvSpPr/>
+          <p:nvPr/>
+        </p:nvSpPr>
+        <p:spPr>
+          <a:xfrm>
+            <a:off x="10706256" y="3556103"/>
+            <a:ext cx="914400" cy="1011822"/>
+          </a:xfrm>
+          <a:prstGeom prst="foldedCorner">
+            <a:avLst/>
+          </a:prstGeom>
+          <a:solidFill>
+            <a:schemeClr val="bg1"/>
+          </a:solidFill>
+          <a:ln w="38100">
+            <a:solidFill>
+              <a:schemeClr val="tx1"/>
+            </a:solidFill>
+          </a:ln>
+        </p:spPr>
+        <p:style>
+          <a:lnRef idx="2">
+            <a:schemeClr val="accent1">
+              <a:shade val="50000"/>
+            </a:schemeClr>
+          </a:lnRef>
+          <a:fillRef idx="1">
+            <a:schemeClr val="accent1"/>
+          </a:fillRef>
+          <a:effectRef idx="0">
+            <a:schemeClr val="accent1"/>
+          </a:effectRef>
+          <a:fontRef idx="minor">
+            <a:schemeClr val="lt1"/>
+          </a:fontRef>
+        </p:style>
+        <p:txBody>
+          <a:bodyPr rtlCol="0" anchor="ctr"/>
+          <a:lstStyle/>
+          <a:p>
+            <a:pPr algn="ctr"/>
+            <a:r>
+              <a:rPr lang="en-US" dirty="0" err="1">
+                <a:solidFill>
+                  <a:sysClr val="windowText" lastClr="000000"/>
+                </a:solidFill>
+              </a:rPr>
+              <a:t>filtered.fastq</a:t>
+            </a:r>
+            <a:endParaRPr lang="en-US" dirty="0">
+              <a:solidFill>
+                <a:sysClr val="windowText" lastClr="000000"/>
+              </a:solidFill>
+            </a:endParaRPr>
+          </a:p>
+        </p:txBody>
+      </p:sp>
+      <p:sp>
+        <p:nvSpPr>
+          <p:cNvPr id="45" name="Rectangle 44">
+            <a:extLst>
+              <a:ext uri="{FF2B5EF4-FFF2-40B4-BE49-F238E27FC236}">
+                <a16:creationId xmlns:a16="http://schemas.microsoft.com/office/drawing/2014/main" id="{A914FC8C-C962-DB4D-B262-16913368D5EE}"/>
+              </a:ext>
+            </a:extLst>
+          </p:cNvPr>
+          <p:cNvSpPr/>
+          <p:nvPr/>
+        </p:nvSpPr>
+        <p:spPr>
+          <a:xfrm>
+            <a:off x="1212656" y="1691467"/>
+            <a:ext cx="2407454" cy="369332"/>
+          </a:xfrm>
+          <a:prstGeom prst="rect">
+            <a:avLst/>
+          </a:prstGeom>
+        </p:spPr>
+        <p:txBody>
+          <a:bodyPr wrap="none">
+            <a:spAutoFit/>
+          </a:bodyPr>
+          <a:lstStyle/>
+          <a:p>
+            <a:pPr algn="ctr"/>
+            <a:r>
+              <a:rPr lang="en-US" dirty="0"/>
+              <a:t>Transcriptional Profile</a:t>
+            </a:r>
+          </a:p>
+        </p:txBody>
+      </p:sp>
+      <p:cxnSp>
+        <p:nvCxnSpPr>
+          <p:cNvPr id="20" name="Elbow Connector 22">
+            <a:extLst>
+              <a:ext uri="{FF2B5EF4-FFF2-40B4-BE49-F238E27FC236}">
+                <a16:creationId xmlns:a16="http://schemas.microsoft.com/office/drawing/2014/main" id="{2489ED88-549E-4D17-8562-7D55E49565A8}"/>
+              </a:ext>
+            </a:extLst>
+          </p:cNvPr>
+          <p:cNvCxnSpPr>
+            <a:cxnSpLocks/>
+            <a:stCxn id="22" idx="2"/>
+            <a:endCxn id="42" idx="1"/>
+          </p:cNvCxnSpPr>
+          <p:nvPr/>
+        </p:nvCxnSpPr>
+        <p:spPr>
+          <a:xfrm rot="16200000" flipH="1">
+            <a:off x="9992308" y="3348065"/>
+            <a:ext cx="675391" cy="752506"/>
+          </a:xfrm>
+          <a:prstGeom prst="bentConnector2">
+            <a:avLst/>
+          </a:prstGeom>
+          <a:ln w="38100">
+            <a:solidFill>
+              <a:schemeClr val="tx1"/>
+            </a:solidFill>
+            <a:tailEnd type="triangle"/>
+          </a:ln>
+        </p:spPr>
+        <p:style>
+          <a:lnRef idx="1">
+            <a:schemeClr val="accent1"/>
+          </a:lnRef>
+          <a:fillRef idx="0">
+            <a:schemeClr val="accent1"/>
+          </a:fillRef>
+          <a:effectRef idx="0">
+            <a:schemeClr val="accent1"/>
+          </a:effectRef>
+          <a:fontRef idx="minor">
+            <a:schemeClr val="tx1"/>
+          </a:fontRef>
+        </p:style>
+      </p:cxnSp>
+      <p:cxnSp>
+        <p:nvCxnSpPr>
+          <p:cNvPr id="24" name="Elbow Connector 22">
+            <a:extLst>
+              <a:ext uri="{FF2B5EF4-FFF2-40B4-BE49-F238E27FC236}">
+                <a16:creationId xmlns:a16="http://schemas.microsoft.com/office/drawing/2014/main" id="{E6C5F804-B9DF-4CF6-81A9-E1CA353BEC59}"/>
+              </a:ext>
+            </a:extLst>
+          </p:cNvPr>
+          <p:cNvCxnSpPr>
+            <a:cxnSpLocks/>
+            <a:stCxn id="5" idx="3"/>
+            <a:endCxn id="22" idx="1"/>
+          </p:cNvCxnSpPr>
+          <p:nvPr/>
+        </p:nvCxnSpPr>
+        <p:spPr>
+          <a:xfrm flipV="1">
+            <a:off x="7977651" y="3007813"/>
+            <a:ext cx="304575" cy="548290"/>
+          </a:xfrm>
+          <a:prstGeom prst="bentConnector3">
+            <a:avLst>
+              <a:gd name="adj1" fmla="val 50000"/>
+            </a:avLst>
+          </a:prstGeom>
+          <a:ln w="38100">
+            <a:solidFill>
+              <a:schemeClr val="tx1"/>
+            </a:solidFill>
+            <a:tailEnd type="triangle"/>
+          </a:ln>
+        </p:spPr>
+        <p:style>
+          <a:lnRef idx="1">
+            <a:schemeClr val="accent1"/>
+          </a:lnRef>
+          <a:fillRef idx="0">
+            <a:schemeClr val="accent1"/>
+          </a:fillRef>
+          <a:effectRef idx="0">
+            <a:schemeClr val="accent1"/>
+          </a:effectRef>
+          <a:fontRef idx="minor">
+            <a:schemeClr val="tx1"/>
+          </a:fontRef>
+        </p:style>
+      </p:cxnSp>
+    </p:spTree>
+    <p:extLst>
+      <p:ext uri="{BB962C8B-B14F-4D97-AF65-F5344CB8AC3E}">
+        <p14:creationId xmlns:p14="http://schemas.microsoft.com/office/powerpoint/2010/main" val="3269993779"/>
+      </p:ext>
+    </p:extLst>
+  </p:cSld>
+  <p:clrMapOvr>
+    <a:masterClrMapping/>
+  </p:clrMapOvr>
+</p:sld>
+</file>
+
+<file path=ppt/slides/slide3.xml><?xml version="1.0" encoding="utf-8"?>
 <p:sld xmlns:a="http://schemas.openxmlformats.org/drawingml/2006/main" xmlns:r="http://schemas.openxmlformats.org/officeDocument/2006/relationships" xmlns:p="http://schemas.openxmlformats.org/presentationml/2006/main">
   <p:cSld>
     <p:spTree>

--- a/img/figures.pptx
+++ b/img/figures.pptx
@@ -4767,7 +4767,7 @@
                 <a:defRPr/>
               </a:pPr>
               <a:r>
-                <a:rPr kumimoji="0" lang="en-US" sz="8800" b="0" i="0" u="none" strike="noStrike" kern="1200" cap="none" spc="0" normalizeH="0" baseline="0" noProof="0" dirty="0" err="1">
+                <a:rPr kumimoji="0" lang="en-US" sz="8800" b="0" i="0" u="none" strike="noStrike" kern="1200" cap="none" spc="0" normalizeH="0" baseline="0" noProof="0" dirty="0">
                   <a:ln>
                     <a:noFill/>
                   </a:ln>
@@ -4785,22 +4785,6 @@
                 </a:rPr>
                 <a:t>cytosieve</a:t>
               </a:r>
-              <a:endParaRPr kumimoji="0" lang="en-US" sz="8800" b="0" i="0" u="none" strike="noStrike" kern="1200" cap="none" spc="0" normalizeH="0" baseline="0" noProof="0" dirty="0">
-                <a:ln>
-                  <a:noFill/>
-                </a:ln>
-                <a:solidFill>
-                  <a:schemeClr val="accent5">
-                    <a:lumMod val="50000"/>
-                  </a:schemeClr>
-                </a:solidFill>
-                <a:effectLst/>
-                <a:uLnTx/>
-                <a:uFillTx/>
-                <a:latin typeface="Raleway"/>
-                <a:ea typeface="+mn-ea"/>
-                <a:cs typeface="+mn-cs"/>
-              </a:endParaRPr>
             </a:p>
           </p:txBody>
         </p:sp>
@@ -6123,43 +6107,8 @@
                   <a:ea typeface="+mn-ea"/>
                   <a:cs typeface="+mn-cs"/>
                 </a:rPr>
-                <a:t>/</a:t>
+                <a:t>/cytosieve</a:t>
               </a:r>
-              <a:r>
-                <a:rPr kumimoji="0" lang="en-US" sz="1100" b="0" i="0" u="none" strike="noStrike" kern="1200" cap="none" spc="0" normalizeH="0" baseline="0" noProof="0" dirty="0" err="1">
-                  <a:ln>
-                    <a:noFill/>
-                  </a:ln>
-                  <a:solidFill>
-                    <a:schemeClr val="accent5">
-                      <a:lumMod val="50000"/>
-                    </a:schemeClr>
-                  </a:solidFill>
-                  <a:effectLst/>
-                  <a:uLnTx/>
-                  <a:uFillTx/>
-                  <a:latin typeface="Raleway"/>
-                  <a:ea typeface="+mn-ea"/>
-                  <a:cs typeface="+mn-cs"/>
-                </a:rPr>
-                <a:t>cytosieve</a:t>
-              </a:r>
-              <a:endParaRPr kumimoji="0" lang="en-US" sz="1100" b="0" i="0" u="none" strike="noStrike" kern="1200" cap="none" spc="0" normalizeH="0" baseline="0" noProof="0" dirty="0">
-                <a:ln>
-                  <a:noFill/>
-                </a:ln>
-                <a:solidFill>
-                  <a:schemeClr val="accent5">
-                    <a:lumMod val="50000"/>
-                  </a:schemeClr>
-                </a:solidFill>
-                <a:effectLst/>
-                <a:uLnTx/>
-                <a:uFillTx/>
-                <a:latin typeface="Raleway"/>
-                <a:ea typeface="+mn-ea"/>
-                <a:cs typeface="+mn-cs"/>
-              </a:endParaRPr>
             </a:p>
           </p:txBody>
         </p:sp>
